--- a/Documentação/HLD/HLD.pptx
+++ b/Documentação/HLD/HLD.pptx
@@ -6,7 +6,6 @@
   </p:sldMasterIdLst>
   <p:sldIdLst>
     <p:sldId id="257" r:id="rId2"/>
-    <p:sldId id="258" r:id="rId3"/>
   </p:sldIdLst>
   <p:sldSz cx="12192000" cy="6858000"/>
   <p:notesSz cx="6858000" cy="9144000"/>
@@ -105,6 +104,11 @@
       </a:defRPr>
     </a:lvl9pPr>
   </p:defaultTextStyle>
+  <p:extLst>
+    <p:ext uri="{EFAFB233-063F-42B5-8137-9DF3F51BA10A}">
+      <p15:sldGuideLst xmlns:p15="http://schemas.microsoft.com/office/powerpoint/2012/main"/>
+    </p:ext>
+  </p:extLst>
 </p:presentation>
 </file>
 
@@ -255,7 +259,7 @@
           <a:p>
             <a:fld id="{8DD49C95-0325-45F8-96A6-5A0DD05A47A1}" type="datetimeFigureOut">
               <a:rPr lang="pt-BR" smtClean="0"/>
-              <a:t>25/09/2020</a:t>
+              <a:t>28/09/2020</a:t>
             </a:fld>
             <a:endParaRPr lang="pt-BR"/>
           </a:p>
@@ -453,7 +457,7 @@
           <a:p>
             <a:fld id="{8DD49C95-0325-45F8-96A6-5A0DD05A47A1}" type="datetimeFigureOut">
               <a:rPr lang="pt-BR" smtClean="0"/>
-              <a:t>25/09/2020</a:t>
+              <a:t>28/09/2020</a:t>
             </a:fld>
             <a:endParaRPr lang="pt-BR"/>
           </a:p>
@@ -661,7 +665,7 @@
           <a:p>
             <a:fld id="{8DD49C95-0325-45F8-96A6-5A0DD05A47A1}" type="datetimeFigureOut">
               <a:rPr lang="pt-BR" smtClean="0"/>
-              <a:t>25/09/2020</a:t>
+              <a:t>28/09/2020</a:t>
             </a:fld>
             <a:endParaRPr lang="pt-BR"/>
           </a:p>
@@ -859,7 +863,7 @@
           <a:p>
             <a:fld id="{8DD49C95-0325-45F8-96A6-5A0DD05A47A1}" type="datetimeFigureOut">
               <a:rPr lang="pt-BR" smtClean="0"/>
-              <a:t>25/09/2020</a:t>
+              <a:t>28/09/2020</a:t>
             </a:fld>
             <a:endParaRPr lang="pt-BR"/>
           </a:p>
@@ -1134,7 +1138,7 @@
           <a:p>
             <a:fld id="{8DD49C95-0325-45F8-96A6-5A0DD05A47A1}" type="datetimeFigureOut">
               <a:rPr lang="pt-BR" smtClean="0"/>
-              <a:t>25/09/2020</a:t>
+              <a:t>28/09/2020</a:t>
             </a:fld>
             <a:endParaRPr lang="pt-BR"/>
           </a:p>
@@ -1399,7 +1403,7 @@
           <a:p>
             <a:fld id="{8DD49C95-0325-45F8-96A6-5A0DD05A47A1}" type="datetimeFigureOut">
               <a:rPr lang="pt-BR" smtClean="0"/>
-              <a:t>25/09/2020</a:t>
+              <a:t>28/09/2020</a:t>
             </a:fld>
             <a:endParaRPr lang="pt-BR"/>
           </a:p>
@@ -1811,7 +1815,7 @@
           <a:p>
             <a:fld id="{8DD49C95-0325-45F8-96A6-5A0DD05A47A1}" type="datetimeFigureOut">
               <a:rPr lang="pt-BR" smtClean="0"/>
-              <a:t>25/09/2020</a:t>
+              <a:t>28/09/2020</a:t>
             </a:fld>
             <a:endParaRPr lang="pt-BR"/>
           </a:p>
@@ -1952,7 +1956,7 @@
           <a:p>
             <a:fld id="{8DD49C95-0325-45F8-96A6-5A0DD05A47A1}" type="datetimeFigureOut">
               <a:rPr lang="pt-BR" smtClean="0"/>
-              <a:t>25/09/2020</a:t>
+              <a:t>28/09/2020</a:t>
             </a:fld>
             <a:endParaRPr lang="pt-BR"/>
           </a:p>
@@ -2065,7 +2069,7 @@
           <a:p>
             <a:fld id="{8DD49C95-0325-45F8-96A6-5A0DD05A47A1}" type="datetimeFigureOut">
               <a:rPr lang="pt-BR" smtClean="0"/>
-              <a:t>25/09/2020</a:t>
+              <a:t>28/09/2020</a:t>
             </a:fld>
             <a:endParaRPr lang="pt-BR"/>
           </a:p>
@@ -2376,7 +2380,7 @@
           <a:p>
             <a:fld id="{8DD49C95-0325-45F8-96A6-5A0DD05A47A1}" type="datetimeFigureOut">
               <a:rPr lang="pt-BR" smtClean="0"/>
-              <a:t>25/09/2020</a:t>
+              <a:t>28/09/2020</a:t>
             </a:fld>
             <a:endParaRPr lang="pt-BR"/>
           </a:p>
@@ -2664,7 +2668,7 @@
           <a:p>
             <a:fld id="{8DD49C95-0325-45F8-96A6-5A0DD05A47A1}" type="datetimeFigureOut">
               <a:rPr lang="pt-BR" smtClean="0"/>
-              <a:t>25/09/2020</a:t>
+              <a:t>28/09/2020</a:t>
             </a:fld>
             <a:endParaRPr lang="pt-BR"/>
           </a:p>
@@ -2905,7 +2909,7 @@
           <a:p>
             <a:fld id="{8DD49C95-0325-45F8-96A6-5A0DD05A47A1}" type="datetimeFigureOut">
               <a:rPr lang="pt-BR" smtClean="0"/>
-              <a:t>25/09/2020</a:t>
+              <a:t>28/09/2020</a:t>
             </a:fld>
             <a:endParaRPr lang="pt-BR"/>
           </a:p>
@@ -3336,7 +3340,7 @@
         </p:nvSpPr>
         <p:spPr>
           <a:xfrm>
-            <a:off x="6717205" y="1198648"/>
+            <a:off x="6704080" y="1091995"/>
             <a:ext cx="2493055" cy="1077218"/>
           </a:xfrm>
           <a:prstGeom prst="rect">
@@ -3360,8 +3364,27 @@
                 </a:solidFill>
                 <a:latin typeface="Comic Sans MS" panose="030F0702030302020204" pitchFamily="66" charset="0"/>
               </a:rPr>
-              <a:t>Caso o professor tenha problemas com a máquina, é aberto um chamado</a:t>
-            </a:r>
+              <a:t>Caso haja problemas com o computador, o professor abre um chamado via </a:t>
+            </a:r>
+            <a:r>
+              <a:rPr lang="pt-BR" sz="1600" dirty="0" err="1">
+                <a:solidFill>
+                  <a:schemeClr val="bg2">
+                    <a:lumMod val="25000"/>
+                  </a:schemeClr>
+                </a:solidFill>
+                <a:latin typeface="Comic Sans MS" panose="030F0702030302020204" pitchFamily="66" charset="0"/>
+              </a:rPr>
+              <a:t>Discord</a:t>
+            </a:r>
+            <a:endParaRPr lang="pt-BR" sz="1600" dirty="0">
+              <a:solidFill>
+                <a:schemeClr val="bg2">
+                  <a:lumMod val="25000"/>
+                </a:schemeClr>
+              </a:solidFill>
+              <a:latin typeface="Comic Sans MS" panose="030F0702030302020204" pitchFamily="66" charset="0"/>
+            </a:endParaRPr>
           </a:p>
         </p:txBody>
       </p:sp>
@@ -3379,8 +3402,8 @@
         </p:nvSpPr>
         <p:spPr>
           <a:xfrm>
-            <a:off x="642623" y="1412351"/>
-            <a:ext cx="3183677" cy="830997"/>
+            <a:off x="736322" y="1251643"/>
+            <a:ext cx="2576483" cy="830997"/>
           </a:xfrm>
           <a:prstGeom prst="rect">
             <a:avLst/>
@@ -3406,7 +3429,7 @@
                 </a:solidFill>
                 <a:latin typeface="Comic Sans MS" panose="030F0702030302020204" pitchFamily="66" charset="0"/>
               </a:rPr>
-              <a:t>Faculdade nos procuram</a:t>
+              <a:t>Faculdades nos procuram</a:t>
             </a:r>
           </a:p>
           <a:p>
@@ -3420,7 +3443,7 @@
                 </a:solidFill>
                 <a:latin typeface="Comic Sans MS" panose="030F0702030302020204" pitchFamily="66" charset="0"/>
               </a:rPr>
-              <a:t> para monitoramento de máquinas</a:t>
+              <a:t> para monitoramento de computadores</a:t>
             </a:r>
           </a:p>
         </p:txBody>
@@ -3482,7 +3505,7 @@
         </p:blipFill>
         <p:spPr bwMode="auto">
           <a:xfrm>
-            <a:off x="6495126" y="2730695"/>
+            <a:off x="1251006" y="2759160"/>
             <a:ext cx="1675933" cy="1675933"/>
           </a:xfrm>
           <a:prstGeom prst="rect">
@@ -4078,42 +4101,6 @@
           </a:fontRef>
         </p:style>
       </p:cxnSp>
-      <p:pic>
-        <p:nvPicPr>
-          <p:cNvPr id="55" name="Imagem 54">
-            <a:extLst>
-              <a:ext uri="{FF2B5EF4-FFF2-40B4-BE49-F238E27FC236}">
-                <a16:creationId xmlns:a16="http://schemas.microsoft.com/office/drawing/2014/main" id="{4253B3E4-65C4-4738-9FBF-B040AF255419}"/>
-              </a:ext>
-            </a:extLst>
-          </p:cNvPr>
-          <p:cNvPicPr>
-            <a:picLocks noChangeAspect="1"/>
-          </p:cNvPicPr>
-          <p:nvPr/>
-        </p:nvPicPr>
-        <p:blipFill>
-          <a:blip r:embed="rId4"/>
-          <a:stretch>
-            <a:fillRect/>
-          </a:stretch>
-        </p:blipFill>
-        <p:spPr>
-          <a:xfrm>
-            <a:off x="3509685" y="308404"/>
-            <a:ext cx="3084839" cy="2170025"/>
-          </a:xfrm>
-          <a:prstGeom prst="rect">
-            <a:avLst/>
-          </a:prstGeom>
-          <a:ln>
-            <a:noFill/>
-          </a:ln>
-          <a:effectLst>
-            <a:softEdge rad="112500"/>
-          </a:effectLst>
-        </p:spPr>
-      </p:pic>
       <p:cxnSp>
         <p:nvCxnSpPr>
           <p:cNvPr id="57" name="Conector reto 56">
@@ -5240,7 +5227,7 @@
           <p:nvPr/>
         </p:nvPicPr>
         <p:blipFill rotWithShape="1">
-          <a:blip r:embed="rId5"/>
+          <a:blip r:embed="rId4"/>
           <a:srcRect l="2164"/>
           <a:stretch/>
         </p:blipFill>
@@ -5279,14 +5266,14 @@
           <p:nvPr/>
         </p:nvPicPr>
         <p:blipFill>
-          <a:blip r:embed="rId6"/>
+          <a:blip r:embed="rId5"/>
           <a:stretch>
             <a:fillRect/>
           </a:stretch>
         </p:blipFill>
         <p:spPr>
           <a:xfrm>
-            <a:off x="7412849" y="5036453"/>
+            <a:off x="7465845" y="5004681"/>
             <a:ext cx="3205176" cy="1309564"/>
           </a:xfrm>
           <a:prstGeom prst="rect">
@@ -5318,7 +5305,7 @@
         </p:nvSpPr>
         <p:spPr>
           <a:xfrm>
-            <a:off x="3355335" y="3313961"/>
+            <a:off x="8670083" y="3288149"/>
             <a:ext cx="2335175" cy="830997"/>
           </a:xfrm>
           <a:prstGeom prst="rect">
@@ -5342,7 +5329,7 @@
                 </a:solidFill>
                 <a:latin typeface="Comic Sans MS" panose="030F0702030302020204" pitchFamily="66" charset="0"/>
               </a:rPr>
-              <a:t>O técnico de T.I da faculdade irá receber e avaliar o chamado</a:t>
+              <a:t>O técnico de T.I da faculdade recebe e avalia o chamado </a:t>
             </a:r>
           </a:p>
         </p:txBody>
@@ -5362,15 +5349,15 @@
           <p:nvPr/>
         </p:nvPicPr>
         <p:blipFill>
-          <a:blip r:embed="rId7"/>
+          <a:blip r:embed="rId6"/>
           <a:stretch>
             <a:fillRect/>
           </a:stretch>
         </p:blipFill>
         <p:spPr>
           <a:xfrm>
-            <a:off x="673324" y="2906544"/>
-            <a:ext cx="2108130" cy="1594208"/>
+            <a:off x="6386089" y="2949021"/>
+            <a:ext cx="2018532" cy="1526452"/>
           </a:xfrm>
           <a:prstGeom prst="rect">
             <a:avLst/>
@@ -5401,8 +5388,8 @@
         </p:nvSpPr>
         <p:spPr>
           <a:xfrm>
-            <a:off x="8499818" y="3357471"/>
-            <a:ext cx="2620302" cy="830997"/>
+            <a:off x="3303792" y="3160284"/>
+            <a:ext cx="2620302" cy="1077218"/>
           </a:xfrm>
           <a:prstGeom prst="rect">
             <a:avLst/>
@@ -5425,7 +5412,7 @@
                 </a:solidFill>
                 <a:latin typeface="Comic Sans MS" panose="030F0702030302020204" pitchFamily="66" charset="0"/>
               </a:rPr>
-              <a:t>O técnico irá conferir com as informações no banco de dados</a:t>
+              <a:t>O técnico acessa as informações no banco de dados de chamados encerrados</a:t>
             </a:r>
           </a:p>
         </p:txBody>
@@ -5445,7 +5432,7 @@
         <p:spPr>
           <a:xfrm>
             <a:off x="588320" y="5288988"/>
-            <a:ext cx="2471262" cy="830997"/>
+            <a:ext cx="2460657" cy="830997"/>
           </a:xfrm>
           <a:prstGeom prst="rect">
             <a:avLst/>
@@ -5468,7 +5455,7 @@
                 </a:solidFill>
                 <a:latin typeface="Comic Sans MS" panose="030F0702030302020204" pitchFamily="66" charset="0"/>
               </a:rPr>
-              <a:t>O atendimento será realizado remotamente (quando possível)</a:t>
+              <a:t>O atendimento é realizado remotamente (quando possível)</a:t>
             </a:r>
           </a:p>
         </p:txBody>
@@ -5488,7 +5475,7 @@
           <p:nvPr/>
         </p:nvPicPr>
         <p:blipFill>
-          <a:blip r:embed="rId8">
+          <a:blip r:embed="rId7">
             <a:extLst>
               <a:ext uri="{28A0092B-C50C-407E-A947-70E740481C1C}">
                 <a14:useLocalDpi xmlns:a14="http://schemas.microsoft.com/office/drawing/2010/main" val="0"/>
@@ -5501,7 +5488,7 @@
         </p:blipFill>
         <p:spPr>
           <a:xfrm>
-            <a:off x="3253135" y="4949619"/>
+            <a:off x="3312805" y="4955986"/>
             <a:ext cx="1497000" cy="1497000"/>
           </a:xfrm>
           <a:prstGeom prst="rect">
@@ -5578,8 +5565,8 @@
         </p:nvSpPr>
         <p:spPr>
           <a:xfrm>
-            <a:off x="4851873" y="5256153"/>
-            <a:ext cx="2620302" cy="830997"/>
+            <a:off x="4915766" y="5319741"/>
+            <a:ext cx="2360467" cy="830997"/>
           </a:xfrm>
           <a:prstGeom prst="rect">
             <a:avLst/>
@@ -5609,2562 +5596,10 @@
       </p:sp>
       <p:pic>
         <p:nvPicPr>
-          <p:cNvPr id="130" name="Imagem 129">
-            <a:extLst>
-              <a:ext uri="{FF2B5EF4-FFF2-40B4-BE49-F238E27FC236}">
-                <a16:creationId xmlns:a16="http://schemas.microsoft.com/office/drawing/2014/main" id="{B83F22FE-E2A8-4FC2-B987-3C142DA8B649}"/>
-              </a:ext>
-            </a:extLst>
-          </p:cNvPr>
-          <p:cNvPicPr>
-            <a:picLocks noChangeAspect="1"/>
-          </p:cNvPicPr>
-          <p:nvPr/>
-        </p:nvPicPr>
-        <p:blipFill rotWithShape="1">
-          <a:blip r:embed="rId9"/>
-          <a:srcRect r="2678"/>
-          <a:stretch/>
-        </p:blipFill>
-        <p:spPr>
-          <a:xfrm>
-            <a:off x="7766481" y="3731056"/>
-            <a:ext cx="513615" cy="723143"/>
-          </a:xfrm>
-          <a:prstGeom prst="rect">
-            <a:avLst/>
-          </a:prstGeom>
-          <a:effectLst>
-            <a:softEdge rad="12700"/>
-          </a:effectLst>
-        </p:spPr>
-      </p:pic>
-    </p:spTree>
-    <p:extLst>
-      <p:ext uri="{BB962C8B-B14F-4D97-AF65-F5344CB8AC3E}">
-        <p14:creationId xmlns:p14="http://schemas.microsoft.com/office/powerpoint/2010/main" val="1043225642"/>
-      </p:ext>
-    </p:extLst>
-  </p:cSld>
-  <p:clrMapOvr>
-    <a:masterClrMapping/>
-  </p:clrMapOvr>
-</p:sld>
-</file>
-
-<file path=ppt/slides/slide2.xml><?xml version="1.0" encoding="utf-8"?>
-<p:sld xmlns:a="http://schemas.openxmlformats.org/drawingml/2006/main" xmlns:r="http://schemas.openxmlformats.org/officeDocument/2006/relationships" xmlns:p="http://schemas.openxmlformats.org/presentationml/2006/main">
-  <p:cSld>
-    <p:spTree>
-      <p:nvGrpSpPr>
-        <p:cNvPr id="1" name=""/>
-        <p:cNvGrpSpPr/>
-        <p:nvPr/>
-      </p:nvGrpSpPr>
-      <p:grpSpPr>
-        <a:xfrm>
-          <a:off x="0" y="0"/>
-          <a:ext cx="0" cy="0"/>
-          <a:chOff x="0" y="0"/>
-          <a:chExt cx="0" cy="0"/>
-        </a:xfrm>
-      </p:grpSpPr>
-      <p:sp>
-        <p:nvSpPr>
-          <p:cNvPr id="19" name="CaixaDeTexto 18">
-            <a:extLst>
-              <a:ext uri="{FF2B5EF4-FFF2-40B4-BE49-F238E27FC236}">
-                <a16:creationId xmlns:a16="http://schemas.microsoft.com/office/drawing/2014/main" id="{E563EFDF-5EF7-481A-B157-429166624037}"/>
-              </a:ext>
-            </a:extLst>
-          </p:cNvPr>
-          <p:cNvSpPr txBox="1"/>
-          <p:nvPr/>
-        </p:nvSpPr>
-        <p:spPr>
-          <a:xfrm>
-            <a:off x="6279180" y="1231798"/>
-            <a:ext cx="2493055" cy="1077218"/>
-          </a:xfrm>
-          <a:prstGeom prst="rect">
-            <a:avLst/>
-          </a:prstGeom>
-          <a:noFill/>
-        </p:spPr>
-        <p:txBody>
-          <a:bodyPr wrap="square" numCol="1" rtlCol="0" anchor="t">
-            <a:spAutoFit/>
-          </a:bodyPr>
-          <a:lstStyle/>
-          <a:p>
-            <a:pPr algn="ctr"/>
-            <a:r>
-              <a:rPr lang="pt-BR" sz="1600" dirty="0">
-                <a:solidFill>
-                  <a:schemeClr val="bg2">
-                    <a:lumMod val="25000"/>
-                  </a:schemeClr>
-                </a:solidFill>
-                <a:latin typeface="Comic Sans MS" panose="030F0702030302020204" pitchFamily="66" charset="0"/>
-              </a:rPr>
-              <a:t>Será disponibilizado ao técnico de T.I da faculdade um painel de interface gráfica</a:t>
-            </a:r>
-          </a:p>
-        </p:txBody>
-      </p:sp>
-      <p:sp>
-        <p:nvSpPr>
-          <p:cNvPr id="20" name="CaixaDeTexto 19">
-            <a:extLst>
-              <a:ext uri="{FF2B5EF4-FFF2-40B4-BE49-F238E27FC236}">
-                <a16:creationId xmlns:a16="http://schemas.microsoft.com/office/drawing/2014/main" id="{FAAE8FCB-33B0-46E6-98FD-ADC61165427A}"/>
-              </a:ext>
-            </a:extLst>
-          </p:cNvPr>
-          <p:cNvSpPr txBox="1"/>
-          <p:nvPr/>
-        </p:nvSpPr>
-        <p:spPr>
-          <a:xfrm>
-            <a:off x="664395" y="1225343"/>
-            <a:ext cx="2416958" cy="1077218"/>
-          </a:xfrm>
-          <a:prstGeom prst="rect">
-            <a:avLst/>
-          </a:prstGeom>
-          <a:noFill/>
-          <a:ln>
-            <a:noFill/>
-          </a:ln>
-        </p:spPr>
-        <p:txBody>
-          <a:bodyPr wrap="square" numCol="1" rtlCol="0">
-            <a:spAutoFit/>
-          </a:bodyPr>
-          <a:lstStyle/>
-          <a:p>
-            <a:pPr algn="ctr"/>
-            <a:r>
-              <a:rPr lang="pt-BR" altLang="pt-BR" sz="1600" dirty="0">
-                <a:solidFill>
-                  <a:schemeClr val="bg2">
-                    <a:lumMod val="25000"/>
-                  </a:schemeClr>
-                </a:solidFill>
-                <a:latin typeface="Comic Sans MS" panose="030F0702030302020204" pitchFamily="66" charset="0"/>
-              </a:rPr>
-              <a:t>Faculdades nos procuram</a:t>
-            </a:r>
-          </a:p>
-          <a:p>
-            <a:pPr algn="ctr"/>
-            <a:r>
-              <a:rPr lang="pt-BR" altLang="pt-BR" sz="1600" dirty="0">
-                <a:solidFill>
-                  <a:schemeClr val="bg2">
-                    <a:lumMod val="25000"/>
-                  </a:schemeClr>
-                </a:solidFill>
-                <a:latin typeface="Comic Sans MS" panose="030F0702030302020204" pitchFamily="66" charset="0"/>
-              </a:rPr>
-              <a:t> para monitoramento de máquinas</a:t>
-            </a:r>
-          </a:p>
-        </p:txBody>
-      </p:sp>
-      <p:sp>
-        <p:nvSpPr>
-          <p:cNvPr id="37" name="Fluxograma: Conector 36">
-            <a:extLst>
-              <a:ext uri="{FF2B5EF4-FFF2-40B4-BE49-F238E27FC236}">
-                <a16:creationId xmlns:a16="http://schemas.microsoft.com/office/drawing/2014/main" id="{389E5F36-5E3F-40A4-8DB0-1C289D1D1A07}"/>
-              </a:ext>
-            </a:extLst>
-          </p:cNvPr>
-          <p:cNvSpPr/>
-          <p:nvPr/>
-        </p:nvSpPr>
-        <p:spPr>
-          <a:xfrm>
-            <a:off x="268350" y="1796107"/>
-            <a:ext cx="445838" cy="434366"/>
-          </a:xfrm>
-          <a:prstGeom prst="flowChartConnector">
-            <a:avLst/>
-          </a:prstGeom>
-          <a:solidFill>
-            <a:schemeClr val="bg2">
-              <a:lumMod val="25000"/>
-            </a:schemeClr>
-          </a:solidFill>
-        </p:spPr>
-        <p:style>
-          <a:lnRef idx="2">
-            <a:schemeClr val="accent1">
-              <a:shade val="50000"/>
-            </a:schemeClr>
-          </a:lnRef>
-          <a:fillRef idx="1">
-            <a:schemeClr val="accent1"/>
-          </a:fillRef>
-          <a:effectRef idx="0">
-            <a:schemeClr val="accent1"/>
-          </a:effectRef>
-          <a:fontRef idx="minor">
-            <a:schemeClr val="lt1"/>
-          </a:fontRef>
-        </p:style>
-        <p:txBody>
-          <a:bodyPr rtlCol="0" anchor="ctr"/>
-          <a:lstStyle/>
-          <a:p>
-            <a:pPr algn="ctr"/>
-            <a:r>
-              <a:rPr lang="en-US" b="1" dirty="0">
-                <a:solidFill>
-                  <a:srgbClr val="FFC000"/>
-                </a:solidFill>
-                <a:latin typeface="Arial Rounded MT Bold" panose="020F0704030504030204" pitchFamily="34" charset="0"/>
-              </a:rPr>
-              <a:t>1</a:t>
-            </a:r>
-            <a:endParaRPr lang="pt-BR" b="1" dirty="0">
-              <a:solidFill>
-                <a:srgbClr val="FFC000"/>
-              </a:solidFill>
-              <a:latin typeface="Arial Rounded MT Bold" panose="020F0704030504030204" pitchFamily="34" charset="0"/>
-            </a:endParaRPr>
-          </a:p>
-        </p:txBody>
-      </p:sp>
-      <p:sp>
-        <p:nvSpPr>
-          <p:cNvPr id="38" name="Arco 37">
-            <a:extLst>
-              <a:ext uri="{FF2B5EF4-FFF2-40B4-BE49-F238E27FC236}">
-                <a16:creationId xmlns:a16="http://schemas.microsoft.com/office/drawing/2014/main" id="{894BAD80-797C-4631-A1B6-302645EAD875}"/>
-              </a:ext>
-            </a:extLst>
-          </p:cNvPr>
-          <p:cNvSpPr/>
-          <p:nvPr/>
-        </p:nvSpPr>
-        <p:spPr>
-          <a:xfrm>
-            <a:off x="1508503" y="2720756"/>
-            <a:ext cx="45719" cy="75190"/>
-          </a:xfrm>
-          <a:prstGeom prst="arc">
-            <a:avLst/>
-          </a:prstGeom>
-        </p:spPr>
-        <p:style>
-          <a:lnRef idx="1">
-            <a:schemeClr val="accent1"/>
-          </a:lnRef>
-          <a:fillRef idx="0">
-            <a:schemeClr val="accent1"/>
-          </a:fillRef>
-          <a:effectRef idx="0">
-            <a:schemeClr val="accent1"/>
-          </a:effectRef>
-          <a:fontRef idx="minor">
-            <a:schemeClr val="tx1"/>
-          </a:fontRef>
-        </p:style>
-        <p:txBody>
-          <a:bodyPr rtlCol="0" anchor="ctr"/>
-          <a:lstStyle/>
-          <a:p>
-            <a:pPr algn="ctr"/>
-            <a:endParaRPr lang="pt-BR"/>
-          </a:p>
-        </p:txBody>
-      </p:sp>
-      <p:sp>
-        <p:nvSpPr>
-          <p:cNvPr id="39" name="Arco 38">
-            <a:extLst>
-              <a:ext uri="{FF2B5EF4-FFF2-40B4-BE49-F238E27FC236}">
-                <a16:creationId xmlns:a16="http://schemas.microsoft.com/office/drawing/2014/main" id="{52B331D4-58B5-4A5C-844C-3135CBBFF16A}"/>
-              </a:ext>
-            </a:extLst>
-          </p:cNvPr>
-          <p:cNvSpPr/>
-          <p:nvPr/>
-        </p:nvSpPr>
-        <p:spPr>
-          <a:xfrm flipH="1" flipV="1">
-            <a:off x="491269" y="1584142"/>
-            <a:ext cx="2237517" cy="1158474"/>
-          </a:xfrm>
-          <a:prstGeom prst="arc">
-            <a:avLst>
-              <a:gd name="adj1" fmla="val 16280044"/>
-              <a:gd name="adj2" fmla="val 0"/>
-            </a:avLst>
-          </a:prstGeom>
-          <a:ln w="76200">
-            <a:solidFill>
-              <a:schemeClr val="bg2">
-                <a:lumMod val="25000"/>
-              </a:schemeClr>
-            </a:solidFill>
-          </a:ln>
-        </p:spPr>
-        <p:style>
-          <a:lnRef idx="1">
-            <a:schemeClr val="accent1"/>
-          </a:lnRef>
-          <a:fillRef idx="0">
-            <a:schemeClr val="accent1"/>
-          </a:fillRef>
-          <a:effectRef idx="0">
-            <a:schemeClr val="accent1"/>
-          </a:effectRef>
-          <a:fontRef idx="minor">
-            <a:schemeClr val="tx1"/>
-          </a:fontRef>
-        </p:style>
-        <p:txBody>
-          <a:bodyPr rtlCol="0" anchor="ctr"/>
-          <a:lstStyle/>
-          <a:p>
-            <a:pPr algn="ctr"/>
-            <a:endParaRPr lang="pt-BR">
-              <a:ln w="0"/>
-              <a:effectLst>
-                <a:outerShdw blurRad="38100" dist="19050" dir="2700000" algn="tl" rotWithShape="0">
-                  <a:schemeClr val="dk1">
-                    <a:alpha val="40000"/>
-                  </a:schemeClr>
-                </a:outerShdw>
-              </a:effectLst>
-            </a:endParaRPr>
-          </a:p>
-        </p:txBody>
-      </p:sp>
-      <p:cxnSp>
-        <p:nvCxnSpPr>
-          <p:cNvPr id="41" name="Conector reto 40">
-            <a:extLst>
-              <a:ext uri="{FF2B5EF4-FFF2-40B4-BE49-F238E27FC236}">
-                <a16:creationId xmlns:a16="http://schemas.microsoft.com/office/drawing/2014/main" id="{744F2E0B-3B0F-4864-AD76-796E5A379D4F}"/>
-              </a:ext>
-            </a:extLst>
-          </p:cNvPr>
-          <p:cNvCxnSpPr/>
-          <p:nvPr/>
-        </p:nvCxnSpPr>
-        <p:spPr>
-          <a:xfrm>
-            <a:off x="1752229" y="2739024"/>
-            <a:ext cx="964467" cy="0"/>
-          </a:xfrm>
-          <a:prstGeom prst="line">
-            <a:avLst/>
-          </a:prstGeom>
-          <a:ln w="76200">
-            <a:solidFill>
-              <a:schemeClr val="bg2">
-                <a:lumMod val="25000"/>
-              </a:schemeClr>
-            </a:solidFill>
-          </a:ln>
-        </p:spPr>
-        <p:style>
-          <a:lnRef idx="1">
-            <a:schemeClr val="accent1"/>
-          </a:lnRef>
-          <a:fillRef idx="0">
-            <a:schemeClr val="accent1"/>
-          </a:fillRef>
-          <a:effectRef idx="0">
-            <a:schemeClr val="accent1"/>
-          </a:effectRef>
-          <a:fontRef idx="minor">
-            <a:schemeClr val="tx1"/>
-          </a:fontRef>
-        </p:style>
-      </p:cxnSp>
-      <p:cxnSp>
-        <p:nvCxnSpPr>
-          <p:cNvPr id="43" name="Conector reto 42">
-            <a:extLst>
-              <a:ext uri="{FF2B5EF4-FFF2-40B4-BE49-F238E27FC236}">
-                <a16:creationId xmlns:a16="http://schemas.microsoft.com/office/drawing/2014/main" id="{1D9C0873-F01D-432A-B8BA-9AB13A77CB59}"/>
-              </a:ext>
-            </a:extLst>
-          </p:cNvPr>
-          <p:cNvCxnSpPr>
-            <a:cxnSpLocks/>
-          </p:cNvCxnSpPr>
-          <p:nvPr/>
-        </p:nvCxnSpPr>
-        <p:spPr>
-          <a:xfrm>
-            <a:off x="2926939" y="2739024"/>
-            <a:ext cx="964467" cy="0"/>
-          </a:xfrm>
-          <a:prstGeom prst="line">
-            <a:avLst/>
-          </a:prstGeom>
-          <a:ln w="76200">
-            <a:solidFill>
-              <a:schemeClr val="bg2">
-                <a:lumMod val="25000"/>
-              </a:schemeClr>
-            </a:solidFill>
-          </a:ln>
-        </p:spPr>
-        <p:style>
-          <a:lnRef idx="1">
-            <a:schemeClr val="accent1"/>
-          </a:lnRef>
-          <a:fillRef idx="0">
-            <a:schemeClr val="accent1"/>
-          </a:fillRef>
-          <a:effectRef idx="0">
-            <a:schemeClr val="accent1"/>
-          </a:effectRef>
-          <a:fontRef idx="minor">
-            <a:schemeClr val="tx1"/>
-          </a:fontRef>
-        </p:style>
-      </p:cxnSp>
-      <p:cxnSp>
-        <p:nvCxnSpPr>
-          <p:cNvPr id="45" name="Conector reto 44">
-            <a:extLst>
-              <a:ext uri="{FF2B5EF4-FFF2-40B4-BE49-F238E27FC236}">
-                <a16:creationId xmlns:a16="http://schemas.microsoft.com/office/drawing/2014/main" id="{001936EF-3FEE-4CD3-B6DA-3A0350DAAA0A}"/>
-              </a:ext>
-            </a:extLst>
-          </p:cNvPr>
-          <p:cNvCxnSpPr>
-            <a:cxnSpLocks/>
-          </p:cNvCxnSpPr>
-          <p:nvPr/>
-        </p:nvCxnSpPr>
-        <p:spPr>
-          <a:xfrm>
-            <a:off x="4087638" y="2739271"/>
-            <a:ext cx="964467" cy="0"/>
-          </a:xfrm>
-          <a:prstGeom prst="line">
-            <a:avLst/>
-          </a:prstGeom>
-          <a:ln w="76200">
-            <a:solidFill>
-              <a:schemeClr val="bg2">
-                <a:lumMod val="25000"/>
-              </a:schemeClr>
-            </a:solidFill>
-          </a:ln>
-        </p:spPr>
-        <p:style>
-          <a:lnRef idx="1">
-            <a:schemeClr val="accent1"/>
-          </a:lnRef>
-          <a:fillRef idx="0">
-            <a:schemeClr val="accent1"/>
-          </a:fillRef>
-          <a:effectRef idx="0">
-            <a:schemeClr val="accent1"/>
-          </a:effectRef>
-          <a:fontRef idx="minor">
-            <a:schemeClr val="tx1"/>
-          </a:fontRef>
-        </p:style>
-      </p:cxnSp>
-      <p:cxnSp>
-        <p:nvCxnSpPr>
-          <p:cNvPr id="47" name="Conector reto 46">
-            <a:extLst>
-              <a:ext uri="{FF2B5EF4-FFF2-40B4-BE49-F238E27FC236}">
-                <a16:creationId xmlns:a16="http://schemas.microsoft.com/office/drawing/2014/main" id="{56A27DF3-E885-4B1E-B354-7155C9C54AB8}"/>
-              </a:ext>
-            </a:extLst>
-          </p:cNvPr>
-          <p:cNvCxnSpPr>
-            <a:cxnSpLocks/>
-          </p:cNvCxnSpPr>
-          <p:nvPr/>
-        </p:nvCxnSpPr>
-        <p:spPr>
-          <a:xfrm>
-            <a:off x="5216977" y="2741473"/>
-            <a:ext cx="964467" cy="0"/>
-          </a:xfrm>
-          <a:prstGeom prst="line">
-            <a:avLst/>
-          </a:prstGeom>
-          <a:ln w="76200">
-            <a:solidFill>
-              <a:schemeClr val="bg2">
-                <a:lumMod val="25000"/>
-              </a:schemeClr>
-            </a:solidFill>
-          </a:ln>
-        </p:spPr>
-        <p:style>
-          <a:lnRef idx="1">
-            <a:schemeClr val="accent1"/>
-          </a:lnRef>
-          <a:fillRef idx="0">
-            <a:schemeClr val="accent1"/>
-          </a:fillRef>
-          <a:effectRef idx="0">
-            <a:schemeClr val="accent1"/>
-          </a:effectRef>
-          <a:fontRef idx="minor">
-            <a:schemeClr val="tx1"/>
-          </a:fontRef>
-        </p:style>
-      </p:cxnSp>
-      <p:cxnSp>
-        <p:nvCxnSpPr>
-          <p:cNvPr id="49" name="Conector reto 48">
-            <a:extLst>
-              <a:ext uri="{FF2B5EF4-FFF2-40B4-BE49-F238E27FC236}">
-                <a16:creationId xmlns:a16="http://schemas.microsoft.com/office/drawing/2014/main" id="{443FDA1B-F524-4D58-A4E2-4A9699E1CF83}"/>
-              </a:ext>
-            </a:extLst>
-          </p:cNvPr>
-          <p:cNvCxnSpPr>
-            <a:cxnSpLocks/>
-          </p:cNvCxnSpPr>
-          <p:nvPr/>
-        </p:nvCxnSpPr>
-        <p:spPr>
-          <a:xfrm>
-            <a:off x="6386089" y="2737296"/>
-            <a:ext cx="964467" cy="0"/>
-          </a:xfrm>
-          <a:prstGeom prst="line">
-            <a:avLst/>
-          </a:prstGeom>
-          <a:ln w="76200">
-            <a:solidFill>
-              <a:schemeClr val="bg2">
-                <a:lumMod val="25000"/>
-              </a:schemeClr>
-            </a:solidFill>
-          </a:ln>
-        </p:spPr>
-        <p:style>
-          <a:lnRef idx="1">
-            <a:schemeClr val="accent1"/>
-          </a:lnRef>
-          <a:fillRef idx="0">
-            <a:schemeClr val="accent1"/>
-          </a:fillRef>
-          <a:effectRef idx="0">
-            <a:schemeClr val="accent1"/>
-          </a:effectRef>
-          <a:fontRef idx="minor">
-            <a:schemeClr val="tx1"/>
-          </a:fontRef>
-        </p:style>
-      </p:cxnSp>
-      <p:cxnSp>
-        <p:nvCxnSpPr>
-          <p:cNvPr id="51" name="Conector reto 50">
-            <a:extLst>
-              <a:ext uri="{FF2B5EF4-FFF2-40B4-BE49-F238E27FC236}">
-                <a16:creationId xmlns:a16="http://schemas.microsoft.com/office/drawing/2014/main" id="{52A6A55C-077B-4854-BD6B-40ABF1A4BEC1}"/>
-              </a:ext>
-            </a:extLst>
-          </p:cNvPr>
-          <p:cNvCxnSpPr>
-            <a:cxnSpLocks/>
-          </p:cNvCxnSpPr>
-          <p:nvPr/>
-        </p:nvCxnSpPr>
-        <p:spPr>
-          <a:xfrm>
-            <a:off x="7525708" y="2737661"/>
-            <a:ext cx="964467" cy="0"/>
-          </a:xfrm>
-          <a:prstGeom prst="line">
-            <a:avLst/>
-          </a:prstGeom>
-          <a:ln w="76200">
-            <a:solidFill>
-              <a:schemeClr val="bg2">
-                <a:lumMod val="25000"/>
-              </a:schemeClr>
-            </a:solidFill>
-          </a:ln>
-        </p:spPr>
-        <p:style>
-          <a:lnRef idx="1">
-            <a:schemeClr val="accent1"/>
-          </a:lnRef>
-          <a:fillRef idx="0">
-            <a:schemeClr val="accent1"/>
-          </a:fillRef>
-          <a:effectRef idx="0">
-            <a:schemeClr val="accent1"/>
-          </a:effectRef>
-          <a:fontRef idx="minor">
-            <a:schemeClr val="tx1"/>
-          </a:fontRef>
-        </p:style>
-      </p:cxnSp>
-      <p:cxnSp>
-        <p:nvCxnSpPr>
-          <p:cNvPr id="53" name="Conector reto 52">
-            <a:extLst>
-              <a:ext uri="{FF2B5EF4-FFF2-40B4-BE49-F238E27FC236}">
-                <a16:creationId xmlns:a16="http://schemas.microsoft.com/office/drawing/2014/main" id="{6F3B614F-3CE0-4FBD-83E9-7DDE372EA00E}"/>
-              </a:ext>
-            </a:extLst>
-          </p:cNvPr>
-          <p:cNvCxnSpPr>
-            <a:cxnSpLocks/>
-          </p:cNvCxnSpPr>
-          <p:nvPr/>
-        </p:nvCxnSpPr>
-        <p:spPr>
-          <a:xfrm>
-            <a:off x="8682790" y="2737661"/>
-            <a:ext cx="964467" cy="0"/>
-          </a:xfrm>
-          <a:prstGeom prst="line">
-            <a:avLst/>
-          </a:prstGeom>
-          <a:ln w="76200">
-            <a:solidFill>
-              <a:schemeClr val="bg2">
-                <a:lumMod val="25000"/>
-              </a:schemeClr>
-            </a:solidFill>
-          </a:ln>
-        </p:spPr>
-        <p:style>
-          <a:lnRef idx="1">
-            <a:schemeClr val="accent1"/>
-          </a:lnRef>
-          <a:fillRef idx="0">
-            <a:schemeClr val="accent1"/>
-          </a:fillRef>
-          <a:effectRef idx="0">
-            <a:schemeClr val="accent1"/>
-          </a:effectRef>
-          <a:fontRef idx="minor">
-            <a:schemeClr val="tx1"/>
-          </a:fontRef>
-        </p:style>
-      </p:cxnSp>
-      <p:pic>
-        <p:nvPicPr>
-          <p:cNvPr id="55" name="Imagem 54">
-            <a:extLst>
-              <a:ext uri="{FF2B5EF4-FFF2-40B4-BE49-F238E27FC236}">
-                <a16:creationId xmlns:a16="http://schemas.microsoft.com/office/drawing/2014/main" id="{4253B3E4-65C4-4738-9FBF-B040AF255419}"/>
-              </a:ext>
-            </a:extLst>
-          </p:cNvPr>
-          <p:cNvPicPr>
-            <a:picLocks noChangeAspect="1"/>
-          </p:cNvPicPr>
-          <p:nvPr/>
-        </p:nvPicPr>
-        <p:blipFill>
-          <a:blip r:embed="rId2"/>
-          <a:stretch>
-            <a:fillRect/>
-          </a:stretch>
-        </p:blipFill>
-        <p:spPr>
-          <a:xfrm>
-            <a:off x="3081353" y="354106"/>
-            <a:ext cx="3043700" cy="2141086"/>
-          </a:xfrm>
-          <a:prstGeom prst="rect">
-            <a:avLst/>
-          </a:prstGeom>
-        </p:spPr>
-      </p:pic>
-      <p:cxnSp>
-        <p:nvCxnSpPr>
-          <p:cNvPr id="57" name="Conector reto 56">
-            <a:extLst>
-              <a:ext uri="{FF2B5EF4-FFF2-40B4-BE49-F238E27FC236}">
-                <a16:creationId xmlns:a16="http://schemas.microsoft.com/office/drawing/2014/main" id="{FB1B6A3D-C291-45E1-85A5-3FC6B8ED8AA6}"/>
-              </a:ext>
-            </a:extLst>
-          </p:cNvPr>
-          <p:cNvCxnSpPr>
-            <a:cxnSpLocks/>
-          </p:cNvCxnSpPr>
-          <p:nvPr/>
-        </p:nvCxnSpPr>
-        <p:spPr>
-          <a:xfrm>
-            <a:off x="9762601" y="2748347"/>
-            <a:ext cx="964467" cy="0"/>
-          </a:xfrm>
-          <a:prstGeom prst="line">
-            <a:avLst/>
-          </a:prstGeom>
-          <a:ln w="76200">
-            <a:solidFill>
-              <a:schemeClr val="bg2">
-                <a:lumMod val="25000"/>
-              </a:schemeClr>
-            </a:solidFill>
-          </a:ln>
-        </p:spPr>
-        <p:style>
-          <a:lnRef idx="1">
-            <a:schemeClr val="accent1"/>
-          </a:lnRef>
-          <a:fillRef idx="0">
-            <a:schemeClr val="accent1"/>
-          </a:fillRef>
-          <a:effectRef idx="0">
-            <a:schemeClr val="accent1"/>
-          </a:effectRef>
-          <a:fontRef idx="minor">
-            <a:schemeClr val="tx1"/>
-          </a:fontRef>
-        </p:style>
-      </p:cxnSp>
-      <p:cxnSp>
-        <p:nvCxnSpPr>
-          <p:cNvPr id="59" name="Conector reto 58">
-            <a:extLst>
-              <a:ext uri="{FF2B5EF4-FFF2-40B4-BE49-F238E27FC236}">
-                <a16:creationId xmlns:a16="http://schemas.microsoft.com/office/drawing/2014/main" id="{95A3B10D-C1B6-43E7-9265-8DADDE1F05A3}"/>
-              </a:ext>
-            </a:extLst>
-          </p:cNvPr>
-          <p:cNvCxnSpPr>
-            <a:cxnSpLocks/>
-          </p:cNvCxnSpPr>
-          <p:nvPr/>
-        </p:nvCxnSpPr>
-        <p:spPr>
-          <a:xfrm>
-            <a:off x="1577077" y="4663239"/>
-            <a:ext cx="964467" cy="0"/>
-          </a:xfrm>
-          <a:prstGeom prst="line">
-            <a:avLst/>
-          </a:prstGeom>
-          <a:ln w="76200">
-            <a:solidFill>
-              <a:schemeClr val="bg2">
-                <a:lumMod val="25000"/>
-              </a:schemeClr>
-            </a:solidFill>
-          </a:ln>
-        </p:spPr>
-        <p:style>
-          <a:lnRef idx="1">
-            <a:schemeClr val="accent1"/>
-          </a:lnRef>
-          <a:fillRef idx="0">
-            <a:schemeClr val="accent1"/>
-          </a:fillRef>
-          <a:effectRef idx="0">
-            <a:schemeClr val="accent1"/>
-          </a:effectRef>
-          <a:fontRef idx="minor">
-            <a:schemeClr val="tx1"/>
-          </a:fontRef>
-        </p:style>
-      </p:cxnSp>
-      <p:cxnSp>
-        <p:nvCxnSpPr>
-          <p:cNvPr id="61" name="Conector reto 60">
-            <a:extLst>
-              <a:ext uri="{FF2B5EF4-FFF2-40B4-BE49-F238E27FC236}">
-                <a16:creationId xmlns:a16="http://schemas.microsoft.com/office/drawing/2014/main" id="{BE4CF29A-02BB-4B96-81F9-5DD20AF7C827}"/>
-              </a:ext>
-            </a:extLst>
-          </p:cNvPr>
-          <p:cNvCxnSpPr>
-            <a:cxnSpLocks/>
-          </p:cNvCxnSpPr>
-          <p:nvPr/>
-        </p:nvCxnSpPr>
-        <p:spPr>
-          <a:xfrm>
-            <a:off x="2751787" y="4663239"/>
-            <a:ext cx="964467" cy="0"/>
-          </a:xfrm>
-          <a:prstGeom prst="line">
-            <a:avLst/>
-          </a:prstGeom>
-          <a:ln w="76200">
-            <a:solidFill>
-              <a:schemeClr val="bg2">
-                <a:lumMod val="25000"/>
-              </a:schemeClr>
-            </a:solidFill>
-          </a:ln>
-        </p:spPr>
-        <p:style>
-          <a:lnRef idx="1">
-            <a:schemeClr val="accent1"/>
-          </a:lnRef>
-          <a:fillRef idx="0">
-            <a:schemeClr val="accent1"/>
-          </a:fillRef>
-          <a:effectRef idx="0">
-            <a:schemeClr val="accent1"/>
-          </a:effectRef>
-          <a:fontRef idx="minor">
-            <a:schemeClr val="tx1"/>
-          </a:fontRef>
-        </p:style>
-      </p:cxnSp>
-      <p:cxnSp>
-        <p:nvCxnSpPr>
-          <p:cNvPr id="63" name="Conector reto 62">
-            <a:extLst>
-              <a:ext uri="{FF2B5EF4-FFF2-40B4-BE49-F238E27FC236}">
-                <a16:creationId xmlns:a16="http://schemas.microsoft.com/office/drawing/2014/main" id="{D17D3581-E814-4F96-9BB7-CA98172DD0ED}"/>
-              </a:ext>
-            </a:extLst>
-          </p:cNvPr>
-          <p:cNvCxnSpPr>
-            <a:cxnSpLocks/>
-          </p:cNvCxnSpPr>
-          <p:nvPr/>
-        </p:nvCxnSpPr>
-        <p:spPr>
-          <a:xfrm>
-            <a:off x="3912486" y="4663486"/>
-            <a:ext cx="964467" cy="0"/>
-          </a:xfrm>
-          <a:prstGeom prst="line">
-            <a:avLst/>
-          </a:prstGeom>
-          <a:ln w="76200">
-            <a:solidFill>
-              <a:schemeClr val="bg2">
-                <a:lumMod val="25000"/>
-              </a:schemeClr>
-            </a:solidFill>
-          </a:ln>
-        </p:spPr>
-        <p:style>
-          <a:lnRef idx="1">
-            <a:schemeClr val="accent1"/>
-          </a:lnRef>
-          <a:fillRef idx="0">
-            <a:schemeClr val="accent1"/>
-          </a:fillRef>
-          <a:effectRef idx="0">
-            <a:schemeClr val="accent1"/>
-          </a:effectRef>
-          <a:fontRef idx="minor">
-            <a:schemeClr val="tx1"/>
-          </a:fontRef>
-        </p:style>
-      </p:cxnSp>
-      <p:cxnSp>
-        <p:nvCxnSpPr>
-          <p:cNvPr id="65" name="Conector reto 64">
-            <a:extLst>
-              <a:ext uri="{FF2B5EF4-FFF2-40B4-BE49-F238E27FC236}">
-                <a16:creationId xmlns:a16="http://schemas.microsoft.com/office/drawing/2014/main" id="{A59844AB-A9E8-4779-B5FC-AA29FEC432B7}"/>
-              </a:ext>
-            </a:extLst>
-          </p:cNvPr>
-          <p:cNvCxnSpPr>
-            <a:cxnSpLocks/>
-          </p:cNvCxnSpPr>
-          <p:nvPr/>
-        </p:nvCxnSpPr>
-        <p:spPr>
-          <a:xfrm>
-            <a:off x="5041825" y="4665688"/>
-            <a:ext cx="964467" cy="0"/>
-          </a:xfrm>
-          <a:prstGeom prst="line">
-            <a:avLst/>
-          </a:prstGeom>
-          <a:ln w="76200">
-            <a:solidFill>
-              <a:schemeClr val="bg2">
-                <a:lumMod val="25000"/>
-              </a:schemeClr>
-            </a:solidFill>
-          </a:ln>
-        </p:spPr>
-        <p:style>
-          <a:lnRef idx="1">
-            <a:schemeClr val="accent1"/>
-          </a:lnRef>
-          <a:fillRef idx="0">
-            <a:schemeClr val="accent1"/>
-          </a:fillRef>
-          <a:effectRef idx="0">
-            <a:schemeClr val="accent1"/>
-          </a:effectRef>
-          <a:fontRef idx="minor">
-            <a:schemeClr val="tx1"/>
-          </a:fontRef>
-        </p:style>
-      </p:cxnSp>
-      <p:cxnSp>
-        <p:nvCxnSpPr>
-          <p:cNvPr id="67" name="Conector reto 66">
-            <a:extLst>
-              <a:ext uri="{FF2B5EF4-FFF2-40B4-BE49-F238E27FC236}">
-                <a16:creationId xmlns:a16="http://schemas.microsoft.com/office/drawing/2014/main" id="{DFDCAA76-27F2-43D7-BFF8-F318562A6859}"/>
-              </a:ext>
-            </a:extLst>
-          </p:cNvPr>
-          <p:cNvCxnSpPr>
-            <a:cxnSpLocks/>
-          </p:cNvCxnSpPr>
-          <p:nvPr/>
-        </p:nvCxnSpPr>
-        <p:spPr>
-          <a:xfrm>
-            <a:off x="6210937" y="4661511"/>
-            <a:ext cx="964467" cy="0"/>
-          </a:xfrm>
-          <a:prstGeom prst="line">
-            <a:avLst/>
-          </a:prstGeom>
-          <a:ln w="76200">
-            <a:solidFill>
-              <a:schemeClr val="bg2">
-                <a:lumMod val="25000"/>
-              </a:schemeClr>
-            </a:solidFill>
-          </a:ln>
-        </p:spPr>
-        <p:style>
-          <a:lnRef idx="1">
-            <a:schemeClr val="accent1"/>
-          </a:lnRef>
-          <a:fillRef idx="0">
-            <a:schemeClr val="accent1"/>
-          </a:fillRef>
-          <a:effectRef idx="0">
-            <a:schemeClr val="accent1"/>
-          </a:effectRef>
-          <a:fontRef idx="minor">
-            <a:schemeClr val="tx1"/>
-          </a:fontRef>
-        </p:style>
-      </p:cxnSp>
-      <p:cxnSp>
-        <p:nvCxnSpPr>
-          <p:cNvPr id="69" name="Conector reto 68">
-            <a:extLst>
-              <a:ext uri="{FF2B5EF4-FFF2-40B4-BE49-F238E27FC236}">
-                <a16:creationId xmlns:a16="http://schemas.microsoft.com/office/drawing/2014/main" id="{1199BF7A-860A-4D00-A89C-6F3B48D5BB4E}"/>
-              </a:ext>
-            </a:extLst>
-          </p:cNvPr>
-          <p:cNvCxnSpPr>
-            <a:cxnSpLocks/>
-          </p:cNvCxnSpPr>
-          <p:nvPr/>
-        </p:nvCxnSpPr>
-        <p:spPr>
-          <a:xfrm>
-            <a:off x="7350556" y="4661876"/>
-            <a:ext cx="964467" cy="0"/>
-          </a:xfrm>
-          <a:prstGeom prst="line">
-            <a:avLst/>
-          </a:prstGeom>
-          <a:ln w="76200">
-            <a:solidFill>
-              <a:schemeClr val="bg2">
-                <a:lumMod val="25000"/>
-              </a:schemeClr>
-            </a:solidFill>
-          </a:ln>
-        </p:spPr>
-        <p:style>
-          <a:lnRef idx="1">
-            <a:schemeClr val="accent1"/>
-          </a:lnRef>
-          <a:fillRef idx="0">
-            <a:schemeClr val="accent1"/>
-          </a:fillRef>
-          <a:effectRef idx="0">
-            <a:schemeClr val="accent1"/>
-          </a:effectRef>
-          <a:fontRef idx="minor">
-            <a:schemeClr val="tx1"/>
-          </a:fontRef>
-        </p:style>
-      </p:cxnSp>
-      <p:cxnSp>
-        <p:nvCxnSpPr>
-          <p:cNvPr id="71" name="Conector reto 70">
-            <a:extLst>
-              <a:ext uri="{FF2B5EF4-FFF2-40B4-BE49-F238E27FC236}">
-                <a16:creationId xmlns:a16="http://schemas.microsoft.com/office/drawing/2014/main" id="{CCA37EC2-15DC-47F3-B556-970CF20AA6FA}"/>
-              </a:ext>
-            </a:extLst>
-          </p:cNvPr>
-          <p:cNvCxnSpPr>
-            <a:cxnSpLocks/>
-          </p:cNvCxnSpPr>
-          <p:nvPr/>
-        </p:nvCxnSpPr>
-        <p:spPr>
-          <a:xfrm>
-            <a:off x="8507638" y="4661876"/>
-            <a:ext cx="964467" cy="0"/>
-          </a:xfrm>
-          <a:prstGeom prst="line">
-            <a:avLst/>
-          </a:prstGeom>
-          <a:ln w="76200">
-            <a:solidFill>
-              <a:schemeClr val="bg2">
-                <a:lumMod val="25000"/>
-              </a:schemeClr>
-            </a:solidFill>
-          </a:ln>
-        </p:spPr>
-        <p:style>
-          <a:lnRef idx="1">
-            <a:schemeClr val="accent1"/>
-          </a:lnRef>
-          <a:fillRef idx="0">
-            <a:schemeClr val="accent1"/>
-          </a:fillRef>
-          <a:effectRef idx="0">
-            <a:schemeClr val="accent1"/>
-          </a:effectRef>
-          <a:fontRef idx="minor">
-            <a:schemeClr val="tx1"/>
-          </a:fontRef>
-        </p:style>
-      </p:cxnSp>
-      <p:cxnSp>
-        <p:nvCxnSpPr>
-          <p:cNvPr id="73" name="Conector reto 72">
-            <a:extLst>
-              <a:ext uri="{FF2B5EF4-FFF2-40B4-BE49-F238E27FC236}">
-                <a16:creationId xmlns:a16="http://schemas.microsoft.com/office/drawing/2014/main" id="{BD2EB1A3-E4BC-40D8-9AFF-DB1E20AE2080}"/>
-              </a:ext>
-            </a:extLst>
-          </p:cNvPr>
-          <p:cNvCxnSpPr>
-            <a:cxnSpLocks/>
-          </p:cNvCxnSpPr>
-          <p:nvPr/>
-        </p:nvCxnSpPr>
-        <p:spPr>
-          <a:xfrm>
-            <a:off x="9627205" y="4659310"/>
-            <a:ext cx="964467" cy="0"/>
-          </a:xfrm>
-          <a:prstGeom prst="line">
-            <a:avLst/>
-          </a:prstGeom>
-          <a:ln w="76200">
-            <a:solidFill>
-              <a:schemeClr val="bg2">
-                <a:lumMod val="25000"/>
-              </a:schemeClr>
-            </a:solidFill>
-          </a:ln>
-        </p:spPr>
-        <p:style>
-          <a:lnRef idx="1">
-            <a:schemeClr val="accent1"/>
-          </a:lnRef>
-          <a:fillRef idx="0">
-            <a:schemeClr val="accent1"/>
-          </a:fillRef>
-          <a:effectRef idx="0">
-            <a:schemeClr val="accent1"/>
-          </a:effectRef>
-          <a:fontRef idx="minor">
-            <a:schemeClr val="tx1"/>
-          </a:fontRef>
-        </p:style>
-      </p:cxnSp>
-      <p:cxnSp>
-        <p:nvCxnSpPr>
-          <p:cNvPr id="75" name="Conector reto 74">
-            <a:extLst>
-              <a:ext uri="{FF2B5EF4-FFF2-40B4-BE49-F238E27FC236}">
-                <a16:creationId xmlns:a16="http://schemas.microsoft.com/office/drawing/2014/main" id="{6DE98028-535F-427C-BE22-B23D1903026B}"/>
-              </a:ext>
-            </a:extLst>
-          </p:cNvPr>
-          <p:cNvCxnSpPr>
-            <a:cxnSpLocks/>
-          </p:cNvCxnSpPr>
-          <p:nvPr/>
-        </p:nvCxnSpPr>
-        <p:spPr>
-          <a:xfrm>
-            <a:off x="1537320" y="6661373"/>
-            <a:ext cx="964467" cy="0"/>
-          </a:xfrm>
-          <a:prstGeom prst="line">
-            <a:avLst/>
-          </a:prstGeom>
-          <a:ln w="76200">
-            <a:solidFill>
-              <a:schemeClr val="bg2">
-                <a:lumMod val="25000"/>
-              </a:schemeClr>
-            </a:solidFill>
-          </a:ln>
-        </p:spPr>
-        <p:style>
-          <a:lnRef idx="1">
-            <a:schemeClr val="accent1"/>
-          </a:lnRef>
-          <a:fillRef idx="0">
-            <a:schemeClr val="accent1"/>
-          </a:fillRef>
-          <a:effectRef idx="0">
-            <a:schemeClr val="accent1"/>
-          </a:effectRef>
-          <a:fontRef idx="minor">
-            <a:schemeClr val="tx1"/>
-          </a:fontRef>
-        </p:style>
-      </p:cxnSp>
-      <p:cxnSp>
-        <p:nvCxnSpPr>
-          <p:cNvPr id="77" name="Conector reto 76">
-            <a:extLst>
-              <a:ext uri="{FF2B5EF4-FFF2-40B4-BE49-F238E27FC236}">
-                <a16:creationId xmlns:a16="http://schemas.microsoft.com/office/drawing/2014/main" id="{C9589D8C-18AC-47B9-986D-A59AEE5AE680}"/>
-              </a:ext>
-            </a:extLst>
-          </p:cNvPr>
-          <p:cNvCxnSpPr>
-            <a:cxnSpLocks/>
-          </p:cNvCxnSpPr>
-          <p:nvPr/>
-        </p:nvCxnSpPr>
-        <p:spPr>
-          <a:xfrm>
-            <a:off x="2712030" y="6661373"/>
-            <a:ext cx="964467" cy="0"/>
-          </a:xfrm>
-          <a:prstGeom prst="line">
-            <a:avLst/>
-          </a:prstGeom>
-          <a:ln w="76200">
-            <a:solidFill>
-              <a:schemeClr val="bg2">
-                <a:lumMod val="25000"/>
-              </a:schemeClr>
-            </a:solidFill>
-          </a:ln>
-        </p:spPr>
-        <p:style>
-          <a:lnRef idx="1">
-            <a:schemeClr val="accent1"/>
-          </a:lnRef>
-          <a:fillRef idx="0">
-            <a:schemeClr val="accent1"/>
-          </a:fillRef>
-          <a:effectRef idx="0">
-            <a:schemeClr val="accent1"/>
-          </a:effectRef>
-          <a:fontRef idx="minor">
-            <a:schemeClr val="tx1"/>
-          </a:fontRef>
-        </p:style>
-      </p:cxnSp>
-      <p:cxnSp>
-        <p:nvCxnSpPr>
-          <p:cNvPr id="79" name="Conector reto 78">
-            <a:extLst>
-              <a:ext uri="{FF2B5EF4-FFF2-40B4-BE49-F238E27FC236}">
-                <a16:creationId xmlns:a16="http://schemas.microsoft.com/office/drawing/2014/main" id="{C9AA0EF4-908B-4C81-B163-11600FEC7B45}"/>
-              </a:ext>
-            </a:extLst>
-          </p:cNvPr>
-          <p:cNvCxnSpPr>
-            <a:cxnSpLocks/>
-          </p:cNvCxnSpPr>
-          <p:nvPr/>
-        </p:nvCxnSpPr>
-        <p:spPr>
-          <a:xfrm>
-            <a:off x="3872729" y="6661620"/>
-            <a:ext cx="964467" cy="0"/>
-          </a:xfrm>
-          <a:prstGeom prst="line">
-            <a:avLst/>
-          </a:prstGeom>
-          <a:ln w="76200">
-            <a:solidFill>
-              <a:schemeClr val="bg2">
-                <a:lumMod val="25000"/>
-              </a:schemeClr>
-            </a:solidFill>
-          </a:ln>
-        </p:spPr>
-        <p:style>
-          <a:lnRef idx="1">
-            <a:schemeClr val="accent1"/>
-          </a:lnRef>
-          <a:fillRef idx="0">
-            <a:schemeClr val="accent1"/>
-          </a:fillRef>
-          <a:effectRef idx="0">
-            <a:schemeClr val="accent1"/>
-          </a:effectRef>
-          <a:fontRef idx="minor">
-            <a:schemeClr val="tx1"/>
-          </a:fontRef>
-        </p:style>
-      </p:cxnSp>
-      <p:cxnSp>
-        <p:nvCxnSpPr>
-          <p:cNvPr id="81" name="Conector reto 80">
-            <a:extLst>
-              <a:ext uri="{FF2B5EF4-FFF2-40B4-BE49-F238E27FC236}">
-                <a16:creationId xmlns:a16="http://schemas.microsoft.com/office/drawing/2014/main" id="{54236613-A972-48FF-B33F-C6D1CBBDAD76}"/>
-              </a:ext>
-            </a:extLst>
-          </p:cNvPr>
-          <p:cNvCxnSpPr>
-            <a:cxnSpLocks/>
-          </p:cNvCxnSpPr>
-          <p:nvPr/>
-        </p:nvCxnSpPr>
-        <p:spPr>
-          <a:xfrm>
-            <a:off x="5002068" y="6663822"/>
-            <a:ext cx="964467" cy="0"/>
-          </a:xfrm>
-          <a:prstGeom prst="line">
-            <a:avLst/>
-          </a:prstGeom>
-          <a:ln w="76200">
-            <a:solidFill>
-              <a:schemeClr val="bg2">
-                <a:lumMod val="25000"/>
-              </a:schemeClr>
-            </a:solidFill>
-          </a:ln>
-        </p:spPr>
-        <p:style>
-          <a:lnRef idx="1">
-            <a:schemeClr val="accent1"/>
-          </a:lnRef>
-          <a:fillRef idx="0">
-            <a:schemeClr val="accent1"/>
-          </a:fillRef>
-          <a:effectRef idx="0">
-            <a:schemeClr val="accent1"/>
-          </a:effectRef>
-          <a:fontRef idx="minor">
-            <a:schemeClr val="tx1"/>
-          </a:fontRef>
-        </p:style>
-      </p:cxnSp>
-      <p:cxnSp>
-        <p:nvCxnSpPr>
-          <p:cNvPr id="83" name="Conector reto 82">
-            <a:extLst>
-              <a:ext uri="{FF2B5EF4-FFF2-40B4-BE49-F238E27FC236}">
-                <a16:creationId xmlns:a16="http://schemas.microsoft.com/office/drawing/2014/main" id="{58257E4E-2513-44BA-9918-81FB2828324C}"/>
-              </a:ext>
-            </a:extLst>
-          </p:cNvPr>
-          <p:cNvCxnSpPr>
-            <a:cxnSpLocks/>
-          </p:cNvCxnSpPr>
-          <p:nvPr/>
-        </p:nvCxnSpPr>
-        <p:spPr>
-          <a:xfrm>
-            <a:off x="6171180" y="6659645"/>
-            <a:ext cx="964467" cy="0"/>
-          </a:xfrm>
-          <a:prstGeom prst="line">
-            <a:avLst/>
-          </a:prstGeom>
-          <a:ln w="76200">
-            <a:solidFill>
-              <a:schemeClr val="bg2">
-                <a:lumMod val="25000"/>
-              </a:schemeClr>
-            </a:solidFill>
-          </a:ln>
-        </p:spPr>
-        <p:style>
-          <a:lnRef idx="1">
-            <a:schemeClr val="accent1"/>
-          </a:lnRef>
-          <a:fillRef idx="0">
-            <a:schemeClr val="accent1"/>
-          </a:fillRef>
-          <a:effectRef idx="0">
-            <a:schemeClr val="accent1"/>
-          </a:effectRef>
-          <a:fontRef idx="minor">
-            <a:schemeClr val="tx1"/>
-          </a:fontRef>
-        </p:style>
-      </p:cxnSp>
-      <p:cxnSp>
-        <p:nvCxnSpPr>
-          <p:cNvPr id="85" name="Conector reto 84">
-            <a:extLst>
-              <a:ext uri="{FF2B5EF4-FFF2-40B4-BE49-F238E27FC236}">
-                <a16:creationId xmlns:a16="http://schemas.microsoft.com/office/drawing/2014/main" id="{EE4FB4D8-5C59-4556-A285-E4FBEE3A7DE9}"/>
-              </a:ext>
-            </a:extLst>
-          </p:cNvPr>
-          <p:cNvCxnSpPr>
-            <a:cxnSpLocks/>
-          </p:cNvCxnSpPr>
-          <p:nvPr/>
-        </p:nvCxnSpPr>
-        <p:spPr>
-          <a:xfrm>
-            <a:off x="7310799" y="6660010"/>
-            <a:ext cx="964467" cy="0"/>
-          </a:xfrm>
-          <a:prstGeom prst="line">
-            <a:avLst/>
-          </a:prstGeom>
-          <a:ln w="76200">
-            <a:solidFill>
-              <a:schemeClr val="bg2">
-                <a:lumMod val="25000"/>
-              </a:schemeClr>
-            </a:solidFill>
-          </a:ln>
-        </p:spPr>
-        <p:style>
-          <a:lnRef idx="1">
-            <a:schemeClr val="accent1"/>
-          </a:lnRef>
-          <a:fillRef idx="0">
-            <a:schemeClr val="accent1"/>
-          </a:fillRef>
-          <a:effectRef idx="0">
-            <a:schemeClr val="accent1"/>
-          </a:effectRef>
-          <a:fontRef idx="minor">
-            <a:schemeClr val="tx1"/>
-          </a:fontRef>
-        </p:style>
-      </p:cxnSp>
-      <p:cxnSp>
-        <p:nvCxnSpPr>
-          <p:cNvPr id="87" name="Conector reto 86">
-            <a:extLst>
-              <a:ext uri="{FF2B5EF4-FFF2-40B4-BE49-F238E27FC236}">
-                <a16:creationId xmlns:a16="http://schemas.microsoft.com/office/drawing/2014/main" id="{F64FD784-D82C-4D84-855C-04B9B541E42A}"/>
-              </a:ext>
-            </a:extLst>
-          </p:cNvPr>
-          <p:cNvCxnSpPr>
-            <a:cxnSpLocks/>
-          </p:cNvCxnSpPr>
-          <p:nvPr/>
-        </p:nvCxnSpPr>
-        <p:spPr>
-          <a:xfrm>
-            <a:off x="8467881" y="6660010"/>
-            <a:ext cx="964467" cy="0"/>
-          </a:xfrm>
-          <a:prstGeom prst="line">
-            <a:avLst/>
-          </a:prstGeom>
-          <a:ln w="76200">
-            <a:solidFill>
-              <a:schemeClr val="bg2">
-                <a:lumMod val="25000"/>
-              </a:schemeClr>
-            </a:solidFill>
-          </a:ln>
-        </p:spPr>
-        <p:style>
-          <a:lnRef idx="1">
-            <a:schemeClr val="accent1"/>
-          </a:lnRef>
-          <a:fillRef idx="0">
-            <a:schemeClr val="accent1"/>
-          </a:fillRef>
-          <a:effectRef idx="0">
-            <a:schemeClr val="accent1"/>
-          </a:effectRef>
-          <a:fontRef idx="minor">
-            <a:schemeClr val="tx1"/>
-          </a:fontRef>
-        </p:style>
-      </p:cxnSp>
-      <p:sp>
-        <p:nvSpPr>
-          <p:cNvPr id="91" name="Fluxograma: Conector 90">
-            <a:extLst>
-              <a:ext uri="{FF2B5EF4-FFF2-40B4-BE49-F238E27FC236}">
-                <a16:creationId xmlns:a16="http://schemas.microsoft.com/office/drawing/2014/main" id="{ABB4E1FC-8F98-4210-8C03-E6B782DE8267}"/>
-              </a:ext>
-            </a:extLst>
-          </p:cNvPr>
-          <p:cNvSpPr/>
-          <p:nvPr/>
-        </p:nvSpPr>
-        <p:spPr>
-          <a:xfrm>
-            <a:off x="11633043" y="3501267"/>
-            <a:ext cx="445838" cy="434366"/>
-          </a:xfrm>
-          <a:prstGeom prst="flowChartConnector">
-            <a:avLst/>
-          </a:prstGeom>
-          <a:solidFill>
-            <a:schemeClr val="bg2">
-              <a:lumMod val="25000"/>
-            </a:schemeClr>
-          </a:solidFill>
-        </p:spPr>
-        <p:style>
-          <a:lnRef idx="2">
-            <a:schemeClr val="accent1">
-              <a:shade val="50000"/>
-            </a:schemeClr>
-          </a:lnRef>
-          <a:fillRef idx="1">
-            <a:schemeClr val="accent1"/>
-          </a:fillRef>
-          <a:effectRef idx="0">
-            <a:schemeClr val="accent1"/>
-          </a:effectRef>
-          <a:fontRef idx="minor">
-            <a:schemeClr val="lt1"/>
-          </a:fontRef>
-        </p:style>
-        <p:txBody>
-          <a:bodyPr rtlCol="0" anchor="ctr"/>
-          <a:lstStyle/>
-          <a:p>
-            <a:pPr algn="ctr"/>
-            <a:r>
-              <a:rPr lang="en-US" b="1" dirty="0">
-                <a:solidFill>
-                  <a:srgbClr val="FFC000"/>
-                </a:solidFill>
-                <a:latin typeface="Arial Rounded MT Bold" panose="020F0704030504030204" pitchFamily="34" charset="0"/>
-              </a:rPr>
-              <a:t>2</a:t>
-            </a:r>
-            <a:endParaRPr lang="pt-BR" b="1" dirty="0">
-              <a:solidFill>
-                <a:srgbClr val="FFC000"/>
-              </a:solidFill>
-              <a:latin typeface="Arial Rounded MT Bold" panose="020F0704030504030204" pitchFamily="34" charset="0"/>
-            </a:endParaRPr>
-          </a:p>
-        </p:txBody>
-      </p:sp>
-      <p:sp>
-        <p:nvSpPr>
-          <p:cNvPr id="96" name="Arco 95">
-            <a:extLst>
-              <a:ext uri="{FF2B5EF4-FFF2-40B4-BE49-F238E27FC236}">
-                <a16:creationId xmlns:a16="http://schemas.microsoft.com/office/drawing/2014/main" id="{C9EA0058-98CB-43B6-96B0-7F676211A3DC}"/>
-              </a:ext>
-            </a:extLst>
-          </p:cNvPr>
-          <p:cNvSpPr/>
-          <p:nvPr/>
-        </p:nvSpPr>
-        <p:spPr>
-          <a:xfrm>
-            <a:off x="9892888" y="2767497"/>
-            <a:ext cx="1955763" cy="1649181"/>
-          </a:xfrm>
-          <a:prstGeom prst="arc">
-            <a:avLst/>
-          </a:prstGeom>
-          <a:ln w="76200">
-            <a:solidFill>
-              <a:srgbClr val="3B3838"/>
-            </a:solidFill>
-          </a:ln>
-        </p:spPr>
-        <p:style>
-          <a:lnRef idx="1">
-            <a:schemeClr val="accent1"/>
-          </a:lnRef>
-          <a:fillRef idx="0">
-            <a:schemeClr val="accent1"/>
-          </a:fillRef>
-          <a:effectRef idx="0">
-            <a:schemeClr val="accent1"/>
-          </a:effectRef>
-          <a:fontRef idx="minor">
-            <a:schemeClr val="tx1"/>
-          </a:fontRef>
-        </p:style>
-        <p:txBody>
-          <a:bodyPr rtlCol="0" anchor="ctr"/>
-          <a:lstStyle/>
-          <a:p>
-            <a:pPr algn="ctr"/>
-            <a:endParaRPr lang="pt-BR"/>
-          </a:p>
-        </p:txBody>
-      </p:sp>
-      <p:sp>
-        <p:nvSpPr>
-          <p:cNvPr id="105" name="Arco 104">
-            <a:extLst>
-              <a:ext uri="{FF2B5EF4-FFF2-40B4-BE49-F238E27FC236}">
-                <a16:creationId xmlns:a16="http://schemas.microsoft.com/office/drawing/2014/main" id="{09F07D66-A487-4BAA-9482-2336882D8EFA}"/>
-              </a:ext>
-            </a:extLst>
-          </p:cNvPr>
-          <p:cNvSpPr/>
-          <p:nvPr/>
-        </p:nvSpPr>
-        <p:spPr>
-          <a:xfrm rot="16384156" flipH="1" flipV="1">
-            <a:off x="9994106" y="2788239"/>
-            <a:ext cx="1651599" cy="2097118"/>
-          </a:xfrm>
-          <a:prstGeom prst="arc">
-            <a:avLst/>
-          </a:prstGeom>
-          <a:ln w="76200">
-            <a:solidFill>
-              <a:srgbClr val="3B3838"/>
-            </a:solidFill>
-          </a:ln>
-        </p:spPr>
-        <p:style>
-          <a:lnRef idx="1">
-            <a:schemeClr val="accent1"/>
-          </a:lnRef>
-          <a:fillRef idx="0">
-            <a:schemeClr val="accent1"/>
-          </a:fillRef>
-          <a:effectRef idx="0">
-            <a:schemeClr val="accent1"/>
-          </a:effectRef>
-          <a:fontRef idx="minor">
-            <a:schemeClr val="tx1"/>
-          </a:fontRef>
-        </p:style>
-        <p:txBody>
-          <a:bodyPr rtlCol="0" anchor="ctr"/>
-          <a:lstStyle/>
-          <a:p>
-            <a:pPr algn="ctr"/>
-            <a:endParaRPr lang="pt-BR"/>
-          </a:p>
-        </p:txBody>
-      </p:sp>
-      <p:sp>
-        <p:nvSpPr>
-          <p:cNvPr id="107" name="Fluxograma: Conector 106">
-            <a:extLst>
-              <a:ext uri="{FF2B5EF4-FFF2-40B4-BE49-F238E27FC236}">
-                <a16:creationId xmlns:a16="http://schemas.microsoft.com/office/drawing/2014/main" id="{43AFA91B-7000-46DE-8F4A-468F01278D39}"/>
-              </a:ext>
-            </a:extLst>
-          </p:cNvPr>
-          <p:cNvSpPr/>
-          <p:nvPr/>
-        </p:nvSpPr>
-        <p:spPr>
-          <a:xfrm flipH="1">
-            <a:off x="24363" y="5406664"/>
-            <a:ext cx="464959" cy="434366"/>
-          </a:xfrm>
-          <a:prstGeom prst="flowChartConnector">
-            <a:avLst/>
-          </a:prstGeom>
-          <a:solidFill>
-            <a:schemeClr val="bg2">
-              <a:lumMod val="25000"/>
-            </a:schemeClr>
-          </a:solidFill>
-        </p:spPr>
-        <p:style>
-          <a:lnRef idx="2">
-            <a:schemeClr val="accent1">
-              <a:shade val="50000"/>
-            </a:schemeClr>
-          </a:lnRef>
-          <a:fillRef idx="1">
-            <a:schemeClr val="accent1"/>
-          </a:fillRef>
-          <a:effectRef idx="0">
-            <a:schemeClr val="accent1"/>
-          </a:effectRef>
-          <a:fontRef idx="minor">
-            <a:schemeClr val="lt1"/>
-          </a:fontRef>
-        </p:style>
-        <p:txBody>
-          <a:bodyPr rtlCol="0" anchor="ctr"/>
-          <a:lstStyle/>
-          <a:p>
-            <a:pPr algn="ctr"/>
-            <a:r>
-              <a:rPr lang="en-US" b="1" dirty="0">
-                <a:solidFill>
-                  <a:srgbClr val="FFC000"/>
-                </a:solidFill>
-                <a:latin typeface="Arial Rounded MT Bold" panose="020F0704030504030204" pitchFamily="34" charset="0"/>
-              </a:rPr>
-              <a:t>3</a:t>
-            </a:r>
-            <a:endParaRPr lang="pt-BR" b="1" dirty="0">
-              <a:solidFill>
-                <a:srgbClr val="FFC000"/>
-              </a:solidFill>
-              <a:latin typeface="Arial Rounded MT Bold" panose="020F0704030504030204" pitchFamily="34" charset="0"/>
-            </a:endParaRPr>
-          </a:p>
-        </p:txBody>
-      </p:sp>
-      <p:sp>
-        <p:nvSpPr>
-          <p:cNvPr id="109" name="Arco 108">
-            <a:extLst>
-              <a:ext uri="{FF2B5EF4-FFF2-40B4-BE49-F238E27FC236}">
-                <a16:creationId xmlns:a16="http://schemas.microsoft.com/office/drawing/2014/main" id="{3B6CB276-B23D-4E3A-93D7-C5E38B671743}"/>
-              </a:ext>
-            </a:extLst>
-          </p:cNvPr>
-          <p:cNvSpPr/>
-          <p:nvPr/>
-        </p:nvSpPr>
-        <p:spPr>
-          <a:xfrm flipH="1">
-            <a:off x="270095" y="4659310"/>
-            <a:ext cx="2039643" cy="1649181"/>
-          </a:xfrm>
-          <a:prstGeom prst="arc">
-            <a:avLst/>
-          </a:prstGeom>
-          <a:ln w="76200">
-            <a:solidFill>
-              <a:srgbClr val="3B3838"/>
-            </a:solidFill>
-          </a:ln>
-        </p:spPr>
-        <p:style>
-          <a:lnRef idx="1">
-            <a:schemeClr val="accent1"/>
-          </a:lnRef>
-          <a:fillRef idx="0">
-            <a:schemeClr val="accent1"/>
-          </a:fillRef>
-          <a:effectRef idx="0">
-            <a:schemeClr val="accent1"/>
-          </a:effectRef>
-          <a:fontRef idx="minor">
-            <a:schemeClr val="tx1"/>
-          </a:fontRef>
-        </p:style>
-        <p:txBody>
-          <a:bodyPr rtlCol="0" anchor="ctr"/>
-          <a:lstStyle/>
-          <a:p>
-            <a:pPr algn="ctr"/>
-            <a:endParaRPr lang="pt-BR"/>
-          </a:p>
-        </p:txBody>
-      </p:sp>
-      <p:sp>
-        <p:nvSpPr>
-          <p:cNvPr id="111" name="Arco 110">
-            <a:extLst>
-              <a:ext uri="{FF2B5EF4-FFF2-40B4-BE49-F238E27FC236}">
-                <a16:creationId xmlns:a16="http://schemas.microsoft.com/office/drawing/2014/main" id="{C80098E1-4E8C-4D6E-A15A-B0994F935631}"/>
-              </a:ext>
-            </a:extLst>
-          </p:cNvPr>
-          <p:cNvSpPr/>
-          <p:nvPr/>
-        </p:nvSpPr>
-        <p:spPr>
-          <a:xfrm rot="16384156" flipH="1">
-            <a:off x="541313" y="4749774"/>
-            <a:ext cx="1651599" cy="2187061"/>
-          </a:xfrm>
-          <a:prstGeom prst="arc">
-            <a:avLst/>
-          </a:prstGeom>
-          <a:ln w="76200">
-            <a:solidFill>
-              <a:srgbClr val="3B3838"/>
-            </a:solidFill>
-          </a:ln>
-        </p:spPr>
-        <p:style>
-          <a:lnRef idx="1">
-            <a:schemeClr val="accent1"/>
-          </a:lnRef>
-          <a:fillRef idx="0">
-            <a:schemeClr val="accent1"/>
-          </a:fillRef>
-          <a:effectRef idx="0">
-            <a:schemeClr val="accent1"/>
-          </a:effectRef>
-          <a:fontRef idx="minor">
-            <a:schemeClr val="tx1"/>
-          </a:fontRef>
-        </p:style>
-        <p:txBody>
-          <a:bodyPr rtlCol="0" anchor="ctr"/>
-          <a:lstStyle/>
-          <a:p>
-            <a:pPr algn="ctr"/>
-            <a:endParaRPr lang="pt-BR"/>
-          </a:p>
-        </p:txBody>
-      </p:sp>
-      <p:sp>
-        <p:nvSpPr>
-          <p:cNvPr id="113" name="Fluxograma: Conector 112">
-            <a:extLst>
-              <a:ext uri="{FF2B5EF4-FFF2-40B4-BE49-F238E27FC236}">
-                <a16:creationId xmlns:a16="http://schemas.microsoft.com/office/drawing/2014/main" id="{18ACEA74-BAC7-46E2-BA42-7FBA4727849E}"/>
-              </a:ext>
-            </a:extLst>
-          </p:cNvPr>
-          <p:cNvSpPr/>
-          <p:nvPr/>
-        </p:nvSpPr>
-        <p:spPr>
-          <a:xfrm>
-            <a:off x="10516145" y="6387514"/>
-            <a:ext cx="445838" cy="434366"/>
-          </a:xfrm>
-          <a:prstGeom prst="flowChartConnector">
-            <a:avLst/>
-          </a:prstGeom>
-          <a:solidFill>
-            <a:schemeClr val="bg2">
-              <a:lumMod val="25000"/>
-            </a:schemeClr>
-          </a:solidFill>
-        </p:spPr>
-        <p:style>
-          <a:lnRef idx="2">
-            <a:schemeClr val="accent1">
-              <a:shade val="50000"/>
-            </a:schemeClr>
-          </a:lnRef>
-          <a:fillRef idx="1">
-            <a:schemeClr val="accent1"/>
-          </a:fillRef>
-          <a:effectRef idx="0">
-            <a:schemeClr val="accent1"/>
-          </a:effectRef>
-          <a:fontRef idx="minor">
-            <a:schemeClr val="lt1"/>
-          </a:fontRef>
-        </p:style>
-        <p:txBody>
-          <a:bodyPr rtlCol="0" anchor="ctr"/>
-          <a:lstStyle/>
-          <a:p>
-            <a:pPr algn="ctr"/>
-            <a:r>
-              <a:rPr lang="en-US" b="1" dirty="0">
-                <a:solidFill>
-                  <a:srgbClr val="FFC000"/>
-                </a:solidFill>
-                <a:latin typeface="Arial Rounded MT Bold" panose="020F0704030504030204" pitchFamily="34" charset="0"/>
-              </a:rPr>
-              <a:t>4</a:t>
-            </a:r>
-            <a:endParaRPr lang="pt-BR" b="1" dirty="0">
-              <a:solidFill>
-                <a:srgbClr val="FFC000"/>
-              </a:solidFill>
-              <a:latin typeface="Arial Rounded MT Bold" panose="020F0704030504030204" pitchFamily="34" charset="0"/>
-            </a:endParaRPr>
-          </a:p>
-        </p:txBody>
-      </p:sp>
-      <p:sp>
-        <p:nvSpPr>
-          <p:cNvPr id="118" name="CaixaDeTexto 117">
-            <a:extLst>
-              <a:ext uri="{FF2B5EF4-FFF2-40B4-BE49-F238E27FC236}">
-                <a16:creationId xmlns:a16="http://schemas.microsoft.com/office/drawing/2014/main" id="{017C3601-242E-4EA2-A8CF-91B936416136}"/>
-              </a:ext>
-            </a:extLst>
-          </p:cNvPr>
-          <p:cNvSpPr txBox="1"/>
-          <p:nvPr/>
-        </p:nvSpPr>
-        <p:spPr>
-          <a:xfrm>
-            <a:off x="3306731" y="3172223"/>
-            <a:ext cx="2493055" cy="1077218"/>
-          </a:xfrm>
-          <a:prstGeom prst="rect">
-            <a:avLst/>
-          </a:prstGeom>
-          <a:noFill/>
-        </p:spPr>
-        <p:txBody>
-          <a:bodyPr wrap="square" numCol="1" rtlCol="0" anchor="t">
-            <a:spAutoFit/>
-          </a:bodyPr>
-          <a:lstStyle/>
-          <a:p>
-            <a:pPr algn="ctr"/>
-            <a:r>
-              <a:rPr lang="pt-BR" sz="1600" dirty="0">
-                <a:solidFill>
-                  <a:schemeClr val="bg2">
-                    <a:lumMod val="25000"/>
-                  </a:schemeClr>
-                </a:solidFill>
-                <a:latin typeface="Comic Sans MS" panose="030F0702030302020204" pitchFamily="66" charset="0"/>
-              </a:rPr>
-              <a:t>O técnico irá acompanhar o desempenho das máquinas em tempo real</a:t>
-            </a:r>
-          </a:p>
-        </p:txBody>
-      </p:sp>
-      <p:pic>
-        <p:nvPicPr>
-          <p:cNvPr id="120" name="Imagem 119">
-            <a:extLst>
-              <a:ext uri="{FF2B5EF4-FFF2-40B4-BE49-F238E27FC236}">
-                <a16:creationId xmlns:a16="http://schemas.microsoft.com/office/drawing/2014/main" id="{BF3E0C10-673B-48D2-98FE-2213C6612513}"/>
-              </a:ext>
-            </a:extLst>
-          </p:cNvPr>
-          <p:cNvPicPr>
-            <a:picLocks noChangeAspect="1"/>
-          </p:cNvPicPr>
-          <p:nvPr/>
-        </p:nvPicPr>
-        <p:blipFill>
-          <a:blip r:embed="rId3"/>
-          <a:stretch>
-            <a:fillRect/>
-          </a:stretch>
-        </p:blipFill>
-        <p:spPr>
-          <a:xfrm>
-            <a:off x="818809" y="2886393"/>
-            <a:ext cx="2108130" cy="1594208"/>
-          </a:xfrm>
-          <a:prstGeom prst="rect">
-            <a:avLst/>
-          </a:prstGeom>
-          <a:solidFill>
-            <a:srgbClr val="FFFFFF">
-              <a:shade val="85000"/>
-            </a:srgbClr>
-          </a:solidFill>
-          <a:ln w="88900" cap="sq">
-            <a:solidFill>
-              <a:srgbClr val="FFFFFF"/>
-            </a:solidFill>
-            <a:miter lim="800000"/>
-          </a:ln>
-          <a:effectLst>
-            <a:outerShdw blurRad="55000" dist="18000" dir="5400000" algn="tl" rotWithShape="0">
-              <a:srgbClr val="000000">
-                <a:alpha val="40000"/>
-              </a:srgbClr>
-            </a:outerShdw>
-          </a:effectLst>
-          <a:scene3d>
-            <a:camera prst="orthographicFront"/>
-            <a:lightRig rig="twoPt" dir="t">
-              <a:rot lat="0" lon="0" rev="7200000"/>
-            </a:lightRig>
-          </a:scene3d>
-          <a:sp3d>
-            <a:bevelT w="25400" h="19050"/>
-            <a:contourClr>
-              <a:srgbClr val="FFFFFF"/>
-            </a:contourClr>
-          </a:sp3d>
-        </p:spPr>
-      </p:pic>
-      <p:sp>
-        <p:nvSpPr>
-          <p:cNvPr id="121" name="CaixaDeTexto 120">
-            <a:extLst>
-              <a:ext uri="{FF2B5EF4-FFF2-40B4-BE49-F238E27FC236}">
-                <a16:creationId xmlns:a16="http://schemas.microsoft.com/office/drawing/2014/main" id="{94147E54-5D38-48B8-AEE1-5139DF0BCBF9}"/>
-              </a:ext>
-            </a:extLst>
-          </p:cNvPr>
-          <p:cNvSpPr txBox="1"/>
-          <p:nvPr/>
-        </p:nvSpPr>
-        <p:spPr>
-          <a:xfrm>
-            <a:off x="8415032" y="3172223"/>
-            <a:ext cx="2781173" cy="1077218"/>
-          </a:xfrm>
-          <a:prstGeom prst="rect">
-            <a:avLst/>
-          </a:prstGeom>
-          <a:noFill/>
-        </p:spPr>
-        <p:txBody>
-          <a:bodyPr wrap="square" numCol="1" rtlCol="0" anchor="t">
-            <a:spAutoFit/>
-          </a:bodyPr>
-          <a:lstStyle/>
-          <a:p>
-            <a:pPr algn="ctr"/>
-            <a:r>
-              <a:rPr lang="en-US" sz="1600" dirty="0">
-                <a:solidFill>
-                  <a:schemeClr val="bg2">
-                    <a:lumMod val="25000"/>
-                  </a:schemeClr>
-                </a:solidFill>
-                <a:latin typeface="Comic Sans MS" panose="030F0702030302020204" pitchFamily="66" charset="0"/>
-              </a:rPr>
-              <a:t>Caso </a:t>
-            </a:r>
-            <a:r>
-              <a:rPr lang="en-US" sz="1600" dirty="0" err="1">
-                <a:solidFill>
-                  <a:schemeClr val="bg2">
-                    <a:lumMod val="25000"/>
-                  </a:schemeClr>
-                </a:solidFill>
-                <a:latin typeface="Comic Sans MS" panose="030F0702030302020204" pitchFamily="66" charset="0"/>
-              </a:rPr>
-              <a:t>haja</a:t>
-            </a:r>
-            <a:r>
-              <a:rPr lang="en-US" sz="1600" dirty="0">
-                <a:solidFill>
-                  <a:schemeClr val="bg2">
-                    <a:lumMod val="25000"/>
-                  </a:schemeClr>
-                </a:solidFill>
-                <a:latin typeface="Comic Sans MS" panose="030F0702030302020204" pitchFamily="66" charset="0"/>
-              </a:rPr>
-              <a:t> </a:t>
-            </a:r>
-            <a:r>
-              <a:rPr lang="en-US" sz="1600" dirty="0" err="1">
-                <a:solidFill>
-                  <a:schemeClr val="bg2">
-                    <a:lumMod val="25000"/>
-                  </a:schemeClr>
-                </a:solidFill>
-                <a:latin typeface="Comic Sans MS" panose="030F0702030302020204" pitchFamily="66" charset="0"/>
-              </a:rPr>
-              <a:t>algum</a:t>
-            </a:r>
-            <a:r>
-              <a:rPr lang="en-US" sz="1600" dirty="0">
-                <a:solidFill>
-                  <a:schemeClr val="bg2">
-                    <a:lumMod val="25000"/>
-                  </a:schemeClr>
-                </a:solidFill>
-                <a:latin typeface="Comic Sans MS" panose="030F0702030302020204" pitchFamily="66" charset="0"/>
-              </a:rPr>
-              <a:t> </a:t>
-            </a:r>
-            <a:r>
-              <a:rPr lang="en-US" sz="1600" dirty="0" err="1">
-                <a:solidFill>
-                  <a:schemeClr val="bg2">
-                    <a:lumMod val="25000"/>
-                  </a:schemeClr>
-                </a:solidFill>
-                <a:latin typeface="Comic Sans MS" panose="030F0702030302020204" pitchFamily="66" charset="0"/>
-              </a:rPr>
-              <a:t>incidente</a:t>
-            </a:r>
-            <a:r>
-              <a:rPr lang="en-US" sz="1600" dirty="0">
-                <a:solidFill>
-                  <a:schemeClr val="bg2">
-                    <a:lumMod val="25000"/>
-                  </a:schemeClr>
-                </a:solidFill>
-                <a:latin typeface="Comic Sans MS" panose="030F0702030302020204" pitchFamily="66" charset="0"/>
-              </a:rPr>
-              <a:t>, o </a:t>
-            </a:r>
-            <a:r>
-              <a:rPr lang="en-US" sz="1600" dirty="0" err="1">
-                <a:solidFill>
-                  <a:schemeClr val="bg2">
-                    <a:lumMod val="25000"/>
-                  </a:schemeClr>
-                </a:solidFill>
-                <a:latin typeface="Comic Sans MS" panose="030F0702030302020204" pitchFamily="66" charset="0"/>
-              </a:rPr>
-              <a:t>técnico</a:t>
-            </a:r>
-            <a:r>
-              <a:rPr lang="en-US" sz="1600" dirty="0">
-                <a:solidFill>
-                  <a:schemeClr val="bg2">
-                    <a:lumMod val="25000"/>
-                  </a:schemeClr>
-                </a:solidFill>
-                <a:latin typeface="Comic Sans MS" panose="030F0702030302020204" pitchFamily="66" charset="0"/>
-              </a:rPr>
-              <a:t> </a:t>
-            </a:r>
-            <a:r>
-              <a:rPr lang="en-US" sz="1600" dirty="0" err="1">
-                <a:solidFill>
-                  <a:schemeClr val="bg2">
-                    <a:lumMod val="25000"/>
-                  </a:schemeClr>
-                </a:solidFill>
-                <a:latin typeface="Comic Sans MS" panose="030F0702030302020204" pitchFamily="66" charset="0"/>
-              </a:rPr>
-              <a:t>receberá</a:t>
-            </a:r>
-            <a:r>
-              <a:rPr lang="en-US" sz="1600" dirty="0">
-                <a:solidFill>
-                  <a:schemeClr val="bg2">
-                    <a:lumMod val="25000"/>
-                  </a:schemeClr>
-                </a:solidFill>
-                <a:latin typeface="Comic Sans MS" panose="030F0702030302020204" pitchFamily="66" charset="0"/>
-              </a:rPr>
-              <a:t> o </a:t>
-            </a:r>
-            <a:r>
-              <a:rPr lang="en-US" sz="1600" dirty="0" err="1">
-                <a:solidFill>
-                  <a:schemeClr val="bg2">
-                    <a:lumMod val="25000"/>
-                  </a:schemeClr>
-                </a:solidFill>
-                <a:latin typeface="Comic Sans MS" panose="030F0702030302020204" pitchFamily="66" charset="0"/>
-              </a:rPr>
-              <a:t>chamado</a:t>
-            </a:r>
-            <a:r>
-              <a:rPr lang="en-US" sz="1600" dirty="0">
-                <a:solidFill>
-                  <a:schemeClr val="bg2">
-                    <a:lumMod val="25000"/>
-                  </a:schemeClr>
-                </a:solidFill>
-                <a:latin typeface="Comic Sans MS" panose="030F0702030302020204" pitchFamily="66" charset="0"/>
-              </a:rPr>
-              <a:t> e </a:t>
-            </a:r>
-            <a:r>
-              <a:rPr lang="en-US" sz="1600" dirty="0" err="1">
-                <a:solidFill>
-                  <a:schemeClr val="bg2">
-                    <a:lumMod val="25000"/>
-                  </a:schemeClr>
-                </a:solidFill>
-                <a:latin typeface="Comic Sans MS" panose="030F0702030302020204" pitchFamily="66" charset="0"/>
-              </a:rPr>
-              <a:t>será</a:t>
-            </a:r>
-            <a:r>
-              <a:rPr lang="en-US" sz="1600" dirty="0">
-                <a:solidFill>
-                  <a:schemeClr val="bg2">
-                    <a:lumMod val="25000"/>
-                  </a:schemeClr>
-                </a:solidFill>
-                <a:latin typeface="Comic Sans MS" panose="030F0702030302020204" pitchFamily="66" charset="0"/>
-              </a:rPr>
-              <a:t> </a:t>
-            </a:r>
-            <a:r>
-              <a:rPr lang="en-US" sz="1600" dirty="0" err="1">
-                <a:solidFill>
-                  <a:schemeClr val="bg2">
-                    <a:lumMod val="25000"/>
-                  </a:schemeClr>
-                </a:solidFill>
-                <a:latin typeface="Comic Sans MS" panose="030F0702030302020204" pitchFamily="66" charset="0"/>
-              </a:rPr>
-              <a:t>armazenado</a:t>
-            </a:r>
-            <a:r>
-              <a:rPr lang="en-US" sz="1600" dirty="0">
-                <a:solidFill>
-                  <a:schemeClr val="bg2">
-                    <a:lumMod val="25000"/>
-                  </a:schemeClr>
-                </a:solidFill>
-                <a:latin typeface="Comic Sans MS" panose="030F0702030302020204" pitchFamily="66" charset="0"/>
-              </a:rPr>
-              <a:t> no banco</a:t>
-            </a:r>
-            <a:endParaRPr lang="pt-BR" sz="1600" dirty="0">
-              <a:solidFill>
-                <a:schemeClr val="bg2">
-                  <a:lumMod val="25000"/>
-                </a:schemeClr>
-              </a:solidFill>
-              <a:latin typeface="Comic Sans MS" panose="030F0702030302020204" pitchFamily="66" charset="0"/>
-            </a:endParaRPr>
-          </a:p>
-        </p:txBody>
-      </p:sp>
-      <p:pic>
-        <p:nvPicPr>
-          <p:cNvPr id="54" name="Imagem 53">
-            <a:extLst>
-              <a:ext uri="{FF2B5EF4-FFF2-40B4-BE49-F238E27FC236}">
-                <a16:creationId xmlns:a16="http://schemas.microsoft.com/office/drawing/2014/main" id="{FA3DA8D7-BDE1-46BA-891D-A95AA35157BB}"/>
-              </a:ext>
-            </a:extLst>
-          </p:cNvPr>
-          <p:cNvPicPr>
-            <a:picLocks noChangeAspect="1"/>
-          </p:cNvPicPr>
-          <p:nvPr/>
-        </p:nvPicPr>
-        <p:blipFill>
-          <a:blip r:embed="rId4"/>
-          <a:stretch>
-            <a:fillRect/>
-          </a:stretch>
-        </p:blipFill>
-        <p:spPr>
-          <a:xfrm>
-            <a:off x="7393098" y="4998927"/>
-            <a:ext cx="3205176" cy="1309564"/>
-          </a:xfrm>
-          <a:prstGeom prst="rect">
-            <a:avLst/>
-          </a:prstGeom>
-          <a:solidFill>
-            <a:srgbClr val="FFFFFF">
-              <a:shade val="85000"/>
-            </a:srgbClr>
-          </a:solidFill>
-          <a:ln w="88900" cap="sq">
-            <a:solidFill>
-              <a:srgbClr val="FFFFFF"/>
-            </a:solidFill>
-            <a:miter lim="800000"/>
-          </a:ln>
-          <a:effectLst>
-            <a:outerShdw blurRad="55000" dist="18000" dir="5400000" algn="tl" rotWithShape="0">
-              <a:srgbClr val="000000">
-                <a:alpha val="40000"/>
-              </a:srgbClr>
-            </a:outerShdw>
-          </a:effectLst>
-          <a:scene3d>
-            <a:camera prst="orthographicFront"/>
-            <a:lightRig rig="twoPt" dir="t">
-              <a:rot lat="0" lon="0" rev="7200000"/>
-            </a:lightRig>
-          </a:scene3d>
-          <a:sp3d>
-            <a:bevelT w="25400" h="19050"/>
-            <a:contourClr>
-              <a:srgbClr val="FFFFFF"/>
-            </a:contourClr>
-          </a:sp3d>
-        </p:spPr>
-      </p:pic>
-      <p:sp>
-        <p:nvSpPr>
-          <p:cNvPr id="56" name="CaixaDeTexto 55">
-            <a:extLst>
-              <a:ext uri="{FF2B5EF4-FFF2-40B4-BE49-F238E27FC236}">
-                <a16:creationId xmlns:a16="http://schemas.microsoft.com/office/drawing/2014/main" id="{481BAB06-6ABB-446E-871E-42C0AC645CC0}"/>
-              </a:ext>
-            </a:extLst>
-          </p:cNvPr>
-          <p:cNvSpPr txBox="1"/>
-          <p:nvPr/>
-        </p:nvSpPr>
-        <p:spPr>
-          <a:xfrm>
-            <a:off x="588320" y="5262484"/>
-            <a:ext cx="2471262" cy="830997"/>
-          </a:xfrm>
-          <a:prstGeom prst="rect">
-            <a:avLst/>
-          </a:prstGeom>
-          <a:noFill/>
-        </p:spPr>
-        <p:txBody>
-          <a:bodyPr wrap="square" numCol="1" rtlCol="0" anchor="t">
-            <a:spAutoFit/>
-          </a:bodyPr>
-          <a:lstStyle/>
-          <a:p>
-            <a:pPr algn="ctr"/>
-            <a:r>
-              <a:rPr lang="pt-BR" sz="1600" dirty="0">
-                <a:solidFill>
-                  <a:schemeClr val="bg2">
-                    <a:lumMod val="25000"/>
-                  </a:schemeClr>
-                </a:solidFill>
-                <a:latin typeface="Comic Sans MS" panose="030F0702030302020204" pitchFamily="66" charset="0"/>
-              </a:rPr>
-              <a:t>O atendimento será realizado remotamente (quando possível)</a:t>
-            </a:r>
-          </a:p>
-        </p:txBody>
-      </p:sp>
-      <p:pic>
-        <p:nvPicPr>
-          <p:cNvPr id="58" name="Imagem 57" descr="Interface gráfica do usuário, Diagrama&#10;&#10;Descrição gerada automaticamente">
-            <a:extLst>
-              <a:ext uri="{FF2B5EF4-FFF2-40B4-BE49-F238E27FC236}">
-                <a16:creationId xmlns:a16="http://schemas.microsoft.com/office/drawing/2014/main" id="{CFD62CF9-B09E-4934-BB84-7B99B201E55E}"/>
-              </a:ext>
-            </a:extLst>
-          </p:cNvPr>
-          <p:cNvPicPr>
-            <a:picLocks noChangeAspect="1"/>
-          </p:cNvPicPr>
-          <p:nvPr/>
-        </p:nvPicPr>
-        <p:blipFill>
-          <a:blip r:embed="rId5">
-            <a:extLst>
-              <a:ext uri="{28A0092B-C50C-407E-A947-70E740481C1C}">
-                <a14:useLocalDpi xmlns:a14="http://schemas.microsoft.com/office/drawing/2010/main" val="0"/>
-              </a:ext>
-            </a:extLst>
-          </a:blip>
-          <a:stretch>
-            <a:fillRect/>
-          </a:stretch>
-        </p:blipFill>
-        <p:spPr>
-          <a:xfrm>
-            <a:off x="3253135" y="4949619"/>
-            <a:ext cx="1497000" cy="1497000"/>
-          </a:xfrm>
-          <a:prstGeom prst="rect">
-            <a:avLst/>
-          </a:prstGeom>
-          <a:solidFill>
-            <a:srgbClr val="FFFFFF">
-              <a:shade val="85000"/>
-            </a:srgbClr>
-          </a:solidFill>
-          <a:ln w="88900" cap="sq">
-            <a:solidFill>
-              <a:srgbClr val="FFFFFF"/>
-            </a:solidFill>
-            <a:miter lim="800000"/>
-          </a:ln>
-          <a:effectLst>
-            <a:outerShdw blurRad="55000" dist="18000" dir="5400000" algn="tl" rotWithShape="0">
-              <a:srgbClr val="000000">
-                <a:alpha val="40000"/>
-              </a:srgbClr>
-            </a:outerShdw>
-          </a:effectLst>
-          <a:scene3d>
-            <a:camera prst="orthographicFront"/>
-            <a:lightRig rig="twoPt" dir="t">
-              <a:rot lat="0" lon="0" rev="7200000"/>
-            </a:lightRig>
-          </a:scene3d>
-          <a:sp3d>
-            <a:bevelT w="25400" h="19050"/>
-            <a:contourClr>
-              <a:srgbClr val="FFFFFF"/>
-            </a:contourClr>
-          </a:sp3d>
-        </p:spPr>
-      </p:pic>
-      <p:sp>
-        <p:nvSpPr>
-          <p:cNvPr id="60" name="CaixaDeTexto 59">
-            <a:extLst>
-              <a:ext uri="{FF2B5EF4-FFF2-40B4-BE49-F238E27FC236}">
-                <a16:creationId xmlns:a16="http://schemas.microsoft.com/office/drawing/2014/main" id="{2204D966-EE0B-4414-A4AA-5B2ECFEACC18}"/>
-              </a:ext>
-            </a:extLst>
-          </p:cNvPr>
-          <p:cNvSpPr txBox="1"/>
-          <p:nvPr/>
-        </p:nvSpPr>
-        <p:spPr>
-          <a:xfrm>
-            <a:off x="4851873" y="5256153"/>
-            <a:ext cx="2620302" cy="830997"/>
-          </a:xfrm>
-          <a:prstGeom prst="rect">
-            <a:avLst/>
-          </a:prstGeom>
-          <a:noFill/>
-        </p:spPr>
-        <p:txBody>
-          <a:bodyPr wrap="square" numCol="1" rtlCol="0" anchor="t">
-            <a:spAutoFit/>
-          </a:bodyPr>
-          <a:lstStyle/>
-          <a:p>
-            <a:pPr algn="ctr"/>
-            <a:r>
-              <a:rPr lang="pt-BR" sz="1600" dirty="0">
-                <a:solidFill>
-                  <a:schemeClr val="bg2">
-                    <a:lumMod val="25000"/>
-                  </a:schemeClr>
-                </a:solidFill>
-                <a:latin typeface="Comic Sans MS" panose="030F0702030302020204" pitchFamily="66" charset="0"/>
-              </a:rPr>
-              <a:t>Chamado solucionado. Retorno mais rápido a aula</a:t>
-            </a:r>
-          </a:p>
-        </p:txBody>
-      </p:sp>
-      <p:cxnSp>
-        <p:nvCxnSpPr>
-          <p:cNvPr id="2" name="Conector reto 1">
-            <a:extLst>
-              <a:ext uri="{FF2B5EF4-FFF2-40B4-BE49-F238E27FC236}">
-                <a16:creationId xmlns:a16="http://schemas.microsoft.com/office/drawing/2014/main" id="{6F5B734E-EAD6-4EAD-A5BC-1187CCD2C464}"/>
-              </a:ext>
-            </a:extLst>
-          </p:cNvPr>
-          <p:cNvCxnSpPr>
-            <a:cxnSpLocks/>
-          </p:cNvCxnSpPr>
-          <p:nvPr/>
-        </p:nvCxnSpPr>
-        <p:spPr>
-          <a:xfrm>
-            <a:off x="9585478" y="6659645"/>
-            <a:ext cx="964467" cy="0"/>
-          </a:xfrm>
-          <a:prstGeom prst="line">
-            <a:avLst/>
-          </a:prstGeom>
-          <a:ln w="76200">
-            <a:solidFill>
-              <a:schemeClr val="bg2">
-                <a:lumMod val="25000"/>
-              </a:schemeClr>
-            </a:solidFill>
-          </a:ln>
-        </p:spPr>
-        <p:style>
-          <a:lnRef idx="1">
-            <a:schemeClr val="accent1"/>
-          </a:lnRef>
-          <a:fillRef idx="0">
-            <a:schemeClr val="accent1"/>
-          </a:fillRef>
-          <a:effectRef idx="0">
-            <a:schemeClr val="accent1"/>
-          </a:effectRef>
-          <a:fontRef idx="minor">
-            <a:schemeClr val="tx1"/>
-          </a:fontRef>
-        </p:style>
-      </p:cxnSp>
-      <p:sp>
-        <p:nvSpPr>
-          <p:cNvPr id="64" name="CaixaDeTexto 63">
-            <a:extLst>
-              <a:ext uri="{FF2B5EF4-FFF2-40B4-BE49-F238E27FC236}">
-                <a16:creationId xmlns:a16="http://schemas.microsoft.com/office/drawing/2014/main" id="{97FB8EB7-0183-48F9-AA5D-FBCA837CCB3B}"/>
-              </a:ext>
-            </a:extLst>
-          </p:cNvPr>
-          <p:cNvSpPr txBox="1"/>
-          <p:nvPr/>
-        </p:nvSpPr>
-        <p:spPr>
-          <a:xfrm>
-            <a:off x="8745553" y="0"/>
-            <a:ext cx="3445360" cy="584775"/>
-          </a:xfrm>
-          <a:prstGeom prst="rect">
-            <a:avLst/>
-          </a:prstGeom>
-          <a:solidFill>
-            <a:schemeClr val="bg2">
-              <a:lumMod val="25000"/>
-            </a:schemeClr>
-          </a:solidFill>
-          <a:ln>
-            <a:noFill/>
-          </a:ln>
-        </p:spPr>
-        <p:txBody>
-          <a:bodyPr wrap="square" rtlCol="0">
-            <a:spAutoFit/>
-          </a:bodyPr>
-          <a:lstStyle/>
-          <a:p>
-            <a:pPr algn="r"/>
-            <a:endParaRPr lang="pt-BR" sz="3200" dirty="0">
-              <a:latin typeface="Dubai Medium" panose="020B0604020202020204" pitchFamily="34" charset="-78"/>
-              <a:cs typeface="Dubai Medium" panose="020B0604020202020204" pitchFamily="34" charset="-78"/>
-            </a:endParaRPr>
-          </a:p>
-        </p:txBody>
-      </p:sp>
-      <p:sp>
-        <p:nvSpPr>
-          <p:cNvPr id="66" name="CaixaDeTexto 65">
-            <a:extLst>
-              <a:ext uri="{FF2B5EF4-FFF2-40B4-BE49-F238E27FC236}">
-                <a16:creationId xmlns:a16="http://schemas.microsoft.com/office/drawing/2014/main" id="{598722E6-6CF9-4A00-9F97-F34882331AA6}"/>
-              </a:ext>
-            </a:extLst>
-          </p:cNvPr>
-          <p:cNvSpPr txBox="1"/>
-          <p:nvPr/>
-        </p:nvSpPr>
-        <p:spPr>
-          <a:xfrm>
-            <a:off x="8777032" y="47146"/>
-            <a:ext cx="3400629" cy="523220"/>
-          </a:xfrm>
-          <a:prstGeom prst="rect">
-            <a:avLst/>
-          </a:prstGeom>
-          <a:noFill/>
-        </p:spPr>
-        <p:txBody>
-          <a:bodyPr wrap="square" rtlCol="0">
-            <a:spAutoFit/>
-          </a:bodyPr>
-          <a:lstStyle/>
-          <a:p>
-            <a:r>
-              <a:rPr lang="pt-BR" sz="2800" dirty="0">
-                <a:solidFill>
-                  <a:srgbClr val="FFC000"/>
-                </a:solidFill>
-                <a:latin typeface="Dubai Medium" panose="020B0603030403030204" pitchFamily="34" charset="-78"/>
-                <a:cs typeface="Dubai Medium" panose="020B0603030403030204" pitchFamily="34" charset="-78"/>
-              </a:rPr>
-              <a:t>HIGH LEVEL DESIGN</a:t>
-            </a:r>
-          </a:p>
-        </p:txBody>
-      </p:sp>
-      <p:pic>
-        <p:nvPicPr>
-          <p:cNvPr id="8" name="Imagem 7">
-            <a:extLst>
-              <a:ext uri="{FF2B5EF4-FFF2-40B4-BE49-F238E27FC236}">
-                <a16:creationId xmlns:a16="http://schemas.microsoft.com/office/drawing/2014/main" id="{06BF8B02-62B1-4966-A985-571522A195EF}"/>
-              </a:ext>
-            </a:extLst>
-          </p:cNvPr>
-          <p:cNvPicPr>
-            <a:picLocks noChangeAspect="1"/>
-          </p:cNvPicPr>
-          <p:nvPr/>
-        </p:nvPicPr>
-        <p:blipFill>
-          <a:blip r:embed="rId6"/>
-          <a:stretch>
-            <a:fillRect/>
-          </a:stretch>
-        </p:blipFill>
-        <p:spPr>
-          <a:xfrm>
-            <a:off x="8859663" y="760134"/>
-            <a:ext cx="2841068" cy="1743616"/>
-          </a:xfrm>
-          <a:prstGeom prst="rect">
-            <a:avLst/>
-          </a:prstGeom>
-          <a:solidFill>
-            <a:srgbClr val="FFFFFF">
-              <a:shade val="85000"/>
-            </a:srgbClr>
-          </a:solidFill>
-          <a:ln w="88900" cap="sq">
-            <a:solidFill>
-              <a:srgbClr val="FFFFFF"/>
-            </a:solidFill>
-            <a:miter lim="800000"/>
-          </a:ln>
-          <a:effectLst>
-            <a:outerShdw blurRad="55000" dist="18000" dir="5400000" algn="tl" rotWithShape="0">
-              <a:srgbClr val="000000">
-                <a:alpha val="40000"/>
-              </a:srgbClr>
-            </a:outerShdw>
-          </a:effectLst>
-          <a:scene3d>
-            <a:camera prst="orthographicFront"/>
-            <a:lightRig rig="twoPt" dir="t">
-              <a:rot lat="0" lon="0" rev="7200000"/>
-            </a:lightRig>
-          </a:scene3d>
-          <a:sp3d>
-            <a:bevelT w="25400" h="19050"/>
-            <a:contourClr>
-              <a:srgbClr val="FFFFFF"/>
-            </a:contourClr>
-          </a:sp3d>
-        </p:spPr>
-      </p:pic>
-      <p:pic>
-        <p:nvPicPr>
-          <p:cNvPr id="15" name="Imagem 14">
-            <a:extLst>
-              <a:ext uri="{FF2B5EF4-FFF2-40B4-BE49-F238E27FC236}">
-                <a16:creationId xmlns:a16="http://schemas.microsoft.com/office/drawing/2014/main" id="{988798E2-2125-4352-9E04-876CA509F39D}"/>
-              </a:ext>
-            </a:extLst>
-          </p:cNvPr>
-          <p:cNvPicPr>
-            <a:picLocks noChangeAspect="1"/>
-          </p:cNvPicPr>
-          <p:nvPr/>
-        </p:nvPicPr>
-        <p:blipFill>
-          <a:blip r:embed="rId7"/>
-          <a:stretch>
-            <a:fillRect/>
-          </a:stretch>
-        </p:blipFill>
-        <p:spPr>
-          <a:xfrm>
-            <a:off x="6125053" y="2983578"/>
-            <a:ext cx="2009775" cy="1343025"/>
-          </a:xfrm>
-          <a:prstGeom prst="rect">
-            <a:avLst/>
-          </a:prstGeom>
-        </p:spPr>
-      </p:pic>
-      <p:pic>
-        <p:nvPicPr>
-          <p:cNvPr id="17" name="Imagem 16">
-            <a:extLst>
-              <a:ext uri="{FF2B5EF4-FFF2-40B4-BE49-F238E27FC236}">
-                <a16:creationId xmlns:a16="http://schemas.microsoft.com/office/drawing/2014/main" id="{15175DBB-CA9E-438F-9BC5-699D93A161AE}"/>
+          <p:cNvPr id="2" name="Imagem 1">
+            <a:extLst>
+              <a:ext uri="{FF2B5EF4-FFF2-40B4-BE49-F238E27FC236}">
+                <a16:creationId xmlns:a16="http://schemas.microsoft.com/office/drawing/2014/main" id="{C4F7B842-C7D6-4756-9F35-233A05C99745}"/>
               </a:ext>
             </a:extLst>
           </p:cNvPr>
@@ -8181,8 +5616,98 @@
         </p:blipFill>
         <p:spPr>
           <a:xfrm>
-            <a:off x="7775184" y="3811491"/>
+            <a:off x="11316533" y="2057091"/>
             <a:ext cx="666623" cy="662252"/>
+          </a:xfrm>
+          <a:prstGeom prst="roundRect">
+            <a:avLst>
+              <a:gd name="adj" fmla="val 16667"/>
+            </a:avLst>
+          </a:prstGeom>
+          <a:ln>
+            <a:noFill/>
+          </a:ln>
+          <a:effectLst>
+            <a:outerShdw blurRad="76200" dist="38100" dir="7800000" algn="tl" rotWithShape="0">
+              <a:srgbClr val="000000">
+                <a:alpha val="40000"/>
+              </a:srgbClr>
+            </a:outerShdw>
+          </a:effectLst>
+          <a:scene3d>
+            <a:camera prst="orthographicFront"/>
+            <a:lightRig rig="contrasting" dir="t">
+              <a:rot lat="0" lon="0" rev="4200000"/>
+            </a:lightRig>
+          </a:scene3d>
+          <a:sp3d prstMaterial="plastic">
+            <a:bevelT w="381000" h="114300" prst="relaxedInset"/>
+            <a:contourClr>
+              <a:srgbClr val="969696"/>
+            </a:contourClr>
+          </a:sp3d>
+        </p:spPr>
+      </p:pic>
+      <p:pic>
+        <p:nvPicPr>
+          <p:cNvPr id="3" name="Imagem 2">
+            <a:extLst>
+              <a:ext uri="{FF2B5EF4-FFF2-40B4-BE49-F238E27FC236}">
+                <a16:creationId xmlns:a16="http://schemas.microsoft.com/office/drawing/2014/main" id="{54DF9525-84BD-416F-85BB-74DE32ABB884}"/>
+              </a:ext>
+            </a:extLst>
+          </p:cNvPr>
+          <p:cNvPicPr>
+            <a:picLocks noChangeAspect="1"/>
+          </p:cNvPicPr>
+          <p:nvPr/>
+        </p:nvPicPr>
+        <p:blipFill>
+          <a:blip r:embed="rId9"/>
+          <a:stretch>
+            <a:fillRect/>
+          </a:stretch>
+        </p:blipFill>
+        <p:spPr>
+          <a:xfrm>
+            <a:off x="3531919" y="300715"/>
+            <a:ext cx="3043700" cy="2141086"/>
+          </a:xfrm>
+          <a:prstGeom prst="rect">
+            <a:avLst/>
+          </a:prstGeom>
+        </p:spPr>
+      </p:pic>
+      <p:pic>
+        <p:nvPicPr>
+          <p:cNvPr id="5" name="Imagem 4" descr="Uma imagem contendo Ícone&#10;&#10;Descrição gerada automaticamente">
+            <a:extLst>
+              <a:ext uri="{FF2B5EF4-FFF2-40B4-BE49-F238E27FC236}">
+                <a16:creationId xmlns:a16="http://schemas.microsoft.com/office/drawing/2014/main" id="{CB7F20FC-8AE8-4E84-B061-6152853EAF75}"/>
+              </a:ext>
+            </a:extLst>
+          </p:cNvPr>
+          <p:cNvPicPr>
+            <a:picLocks noChangeAspect="1"/>
+          </p:cNvPicPr>
+          <p:nvPr/>
+        </p:nvPicPr>
+        <p:blipFill>
+          <a:blip r:embed="rId10">
+            <a:extLst>
+              <a:ext uri="{28A0092B-C50C-407E-A947-70E740481C1C}">
+                <a14:useLocalDpi xmlns:a14="http://schemas.microsoft.com/office/drawing/2010/main" val="0"/>
+              </a:ext>
+            </a:extLst>
+          </a:blip>
+          <a:stretch>
+            <a:fillRect/>
+          </a:stretch>
+        </p:blipFill>
+        <p:spPr>
+          <a:xfrm>
+            <a:off x="2453199" y="3803393"/>
+            <a:ext cx="595778" cy="595778"/>
           </a:xfrm>
           <a:prstGeom prst="rect">
             <a:avLst/>
@@ -8192,7 +5717,7 @@
     </p:spTree>
     <p:extLst>
       <p:ext uri="{BB962C8B-B14F-4D97-AF65-F5344CB8AC3E}">
-        <p14:creationId xmlns:p14="http://schemas.microsoft.com/office/powerpoint/2010/main" val="2033832918"/>
+        <p14:creationId xmlns:p14="http://schemas.microsoft.com/office/powerpoint/2010/main" val="1043225642"/>
       </p:ext>
     </p:extLst>
   </p:cSld>

--- a/Documentação/HLD/HLD.pptx
+++ b/Documentação/HLD/HLD.pptx
@@ -112,6 +112,35 @@
 </p:presentation>
 </file>
 
+<file path=ppt/changesInfos/changesInfo1.xml><?xml version="1.0" encoding="utf-8"?>
+<pc:chgInfo xmlns:a="http://schemas.openxmlformats.org/drawingml/2006/main" xmlns:r="http://schemas.openxmlformats.org/officeDocument/2006/relationships" xmlns:ac="http://schemas.microsoft.com/office/drawing/2013/main/command" xmlns:pc="http://schemas.microsoft.com/office/powerpoint/2013/main/command">
+  <pc:docChgLst>
+    <pc:chgData name="Isabella Lima" userId="fe0713f97eca5c34" providerId="LiveId" clId="{AF47A50E-1C8E-40CF-9748-5FDE6CF35A1B}"/>
+    <pc:docChg chg="modSld">
+      <pc:chgData name="Isabella Lima" userId="fe0713f97eca5c34" providerId="LiveId" clId="{AF47A50E-1C8E-40CF-9748-5FDE6CF35A1B}" dt="2020-10-15T21:18:58.799" v="1" actId="1076"/>
+      <pc:docMkLst>
+        <pc:docMk/>
+      </pc:docMkLst>
+      <pc:sldChg chg="modSp mod">
+        <pc:chgData name="Isabella Lima" userId="fe0713f97eca5c34" providerId="LiveId" clId="{AF47A50E-1C8E-40CF-9748-5FDE6CF35A1B}" dt="2020-10-15T21:18:58.799" v="1" actId="1076"/>
+        <pc:sldMkLst>
+          <pc:docMk/>
+          <pc:sldMk cId="1043225642" sldId="257"/>
+        </pc:sldMkLst>
+        <pc:picChg chg="mod">
+          <ac:chgData name="Isabella Lima" userId="fe0713f97eca5c34" providerId="LiveId" clId="{AF47A50E-1C8E-40CF-9748-5FDE6CF35A1B}" dt="2020-10-15T21:18:58.799" v="1" actId="1076"/>
+          <ac:picMkLst>
+            <pc:docMk/>
+            <pc:sldMk cId="1043225642" sldId="257"/>
+            <ac:picMk id="115" creationId="{7DC173D6-9271-4FD9-9C49-4022B95AD4DE}"/>
+          </ac:picMkLst>
+        </pc:picChg>
+      </pc:sldChg>
+    </pc:docChg>
+  </pc:docChgLst>
+</pc:chgInfo>
+</file>
+
 <file path=ppt/slideLayouts/slideLayout1.xml><?xml version="1.0" encoding="utf-8"?>
 <p:sldLayout xmlns:a="http://schemas.openxmlformats.org/drawingml/2006/main" xmlns:r="http://schemas.openxmlformats.org/officeDocument/2006/relationships" xmlns:p="http://schemas.openxmlformats.org/presentationml/2006/main" type="title" preserve="1">
   <p:cSld name="Slide de Título">
@@ -259,7 +288,7 @@
           <a:p>
             <a:fld id="{8DD49C95-0325-45F8-96A6-5A0DD05A47A1}" type="datetimeFigureOut">
               <a:rPr lang="pt-BR" smtClean="0"/>
-              <a:t>28/09/2020</a:t>
+              <a:t>15/10/2020</a:t>
             </a:fld>
             <a:endParaRPr lang="pt-BR"/>
           </a:p>
@@ -457,7 +486,7 @@
           <a:p>
             <a:fld id="{8DD49C95-0325-45F8-96A6-5A0DD05A47A1}" type="datetimeFigureOut">
               <a:rPr lang="pt-BR" smtClean="0"/>
-              <a:t>28/09/2020</a:t>
+              <a:t>15/10/2020</a:t>
             </a:fld>
             <a:endParaRPr lang="pt-BR"/>
           </a:p>
@@ -665,7 +694,7 @@
           <a:p>
             <a:fld id="{8DD49C95-0325-45F8-96A6-5A0DD05A47A1}" type="datetimeFigureOut">
               <a:rPr lang="pt-BR" smtClean="0"/>
-              <a:t>28/09/2020</a:t>
+              <a:t>15/10/2020</a:t>
             </a:fld>
             <a:endParaRPr lang="pt-BR"/>
           </a:p>
@@ -863,7 +892,7 @@
           <a:p>
             <a:fld id="{8DD49C95-0325-45F8-96A6-5A0DD05A47A1}" type="datetimeFigureOut">
               <a:rPr lang="pt-BR" smtClean="0"/>
-              <a:t>28/09/2020</a:t>
+              <a:t>15/10/2020</a:t>
             </a:fld>
             <a:endParaRPr lang="pt-BR"/>
           </a:p>
@@ -1138,7 +1167,7 @@
           <a:p>
             <a:fld id="{8DD49C95-0325-45F8-96A6-5A0DD05A47A1}" type="datetimeFigureOut">
               <a:rPr lang="pt-BR" smtClean="0"/>
-              <a:t>28/09/2020</a:t>
+              <a:t>15/10/2020</a:t>
             </a:fld>
             <a:endParaRPr lang="pt-BR"/>
           </a:p>
@@ -1403,7 +1432,7 @@
           <a:p>
             <a:fld id="{8DD49C95-0325-45F8-96A6-5A0DD05A47A1}" type="datetimeFigureOut">
               <a:rPr lang="pt-BR" smtClean="0"/>
-              <a:t>28/09/2020</a:t>
+              <a:t>15/10/2020</a:t>
             </a:fld>
             <a:endParaRPr lang="pt-BR"/>
           </a:p>
@@ -1815,7 +1844,7 @@
           <a:p>
             <a:fld id="{8DD49C95-0325-45F8-96A6-5A0DD05A47A1}" type="datetimeFigureOut">
               <a:rPr lang="pt-BR" smtClean="0"/>
-              <a:t>28/09/2020</a:t>
+              <a:t>15/10/2020</a:t>
             </a:fld>
             <a:endParaRPr lang="pt-BR"/>
           </a:p>
@@ -1956,7 +1985,7 @@
           <a:p>
             <a:fld id="{8DD49C95-0325-45F8-96A6-5A0DD05A47A1}" type="datetimeFigureOut">
               <a:rPr lang="pt-BR" smtClean="0"/>
-              <a:t>28/09/2020</a:t>
+              <a:t>15/10/2020</a:t>
             </a:fld>
             <a:endParaRPr lang="pt-BR"/>
           </a:p>
@@ -2069,7 +2098,7 @@
           <a:p>
             <a:fld id="{8DD49C95-0325-45F8-96A6-5A0DD05A47A1}" type="datetimeFigureOut">
               <a:rPr lang="pt-BR" smtClean="0"/>
-              <a:t>28/09/2020</a:t>
+              <a:t>15/10/2020</a:t>
             </a:fld>
             <a:endParaRPr lang="pt-BR"/>
           </a:p>
@@ -2380,7 +2409,7 @@
           <a:p>
             <a:fld id="{8DD49C95-0325-45F8-96A6-5A0DD05A47A1}" type="datetimeFigureOut">
               <a:rPr lang="pt-BR" smtClean="0"/>
-              <a:t>28/09/2020</a:t>
+              <a:t>15/10/2020</a:t>
             </a:fld>
             <a:endParaRPr lang="pt-BR"/>
           </a:p>
@@ -2668,7 +2697,7 @@
           <a:p>
             <a:fld id="{8DD49C95-0325-45F8-96A6-5A0DD05A47A1}" type="datetimeFigureOut">
               <a:rPr lang="pt-BR" smtClean="0"/>
-              <a:t>28/09/2020</a:t>
+              <a:t>15/10/2020</a:t>
             </a:fld>
             <a:endParaRPr lang="pt-BR"/>
           </a:p>
@@ -2909,7 +2938,7 @@
           <a:p>
             <a:fld id="{8DD49C95-0325-45F8-96A6-5A0DD05A47A1}" type="datetimeFigureOut">
               <a:rPr lang="pt-BR" smtClean="0"/>
-              <a:t>28/09/2020</a:t>
+              <a:t>15/10/2020</a:t>
             </a:fld>
             <a:endParaRPr lang="pt-BR"/>
           </a:p>
@@ -5233,7 +5262,7 @@
         </p:blipFill>
         <p:spPr>
           <a:xfrm>
-            <a:off x="9306691" y="798460"/>
+            <a:off x="9353426" y="750165"/>
             <a:ext cx="2326352" cy="1608510"/>
           </a:xfrm>
           <a:prstGeom prst="rect">
